--- a/stanford ner.pptx
+++ b/stanford ner.pptx
@@ -5,7 +5,7 @@
     <p:sldMasterId id="2147483901" r:id="rId1"/>
   </p:sldMasterIdLst>
   <p:notesMasterIdLst>
-    <p:notesMasterId r:id="rId10"/>
+    <p:notesMasterId r:id="rId17"/>
   </p:notesMasterIdLst>
   <p:sldIdLst>
     <p:sldId id="256" r:id="rId2"/>
@@ -14,8 +14,15 @@
     <p:sldId id="263" r:id="rId5"/>
     <p:sldId id="261" r:id="rId6"/>
     <p:sldId id="262" r:id="rId7"/>
-    <p:sldId id="264" r:id="rId8"/>
-    <p:sldId id="259" r:id="rId9"/>
+    <p:sldId id="271" r:id="rId8"/>
+    <p:sldId id="266" r:id="rId9"/>
+    <p:sldId id="267" r:id="rId10"/>
+    <p:sldId id="268" r:id="rId11"/>
+    <p:sldId id="269" r:id="rId12"/>
+    <p:sldId id="270" r:id="rId13"/>
+    <p:sldId id="272" r:id="rId14"/>
+    <p:sldId id="273" r:id="rId15"/>
+    <p:sldId id="274" r:id="rId16"/>
   </p:sldIdLst>
   <p:sldSz cx="12192000" cy="6858000"/>
   <p:notesSz cx="6858000" cy="9144000"/>
@@ -125,8 +132,15 @@
             <p14:sldId id="263"/>
             <p14:sldId id="261"/>
             <p14:sldId id="262"/>
-            <p14:sldId id="264"/>
-            <p14:sldId id="259"/>
+            <p14:sldId id="271"/>
+            <p14:sldId id="266"/>
+            <p14:sldId id="267"/>
+            <p14:sldId id="268"/>
+            <p14:sldId id="269"/>
+            <p14:sldId id="270"/>
+            <p14:sldId id="272"/>
+            <p14:sldId id="273"/>
+            <p14:sldId id="274"/>
           </p14:sldIdLst>
         </p14:section>
       </p14:sectionLst>
@@ -220,7 +234,7 @@
           <a:p>
             <a:fld id="{B55E147C-AA65-447C-BCCD-710E39FCD46C}" type="datetimeFigureOut">
               <a:rPr lang="zh-TW" altLang="en-US" smtClean="0"/>
-              <a:t>2015/9/19</a:t>
+              <a:t>2015/9/29</a:t>
             </a:fld>
             <a:endParaRPr lang="zh-TW" altLang="en-US"/>
           </a:p>
@@ -760,7 +774,7 @@
           <a:p>
             <a:fld id="{F01B79FB-98E9-4AD9-8781-61BCFFDB0F2B}" type="datetime1">
               <a:rPr lang="zh-TW" altLang="en-US" smtClean="0"/>
-              <a:t>2015/9/19</a:t>
+              <a:t>2015/9/29</a:t>
             </a:fld>
             <a:endParaRPr lang="zh-TW" altLang="en-US"/>
           </a:p>
@@ -1098,7 +1112,7 @@
           <a:p>
             <a:fld id="{48F6D734-9D98-4A98-9E19-7EFE4887E21E}" type="datetime1">
               <a:rPr lang="zh-TW" altLang="en-US" smtClean="0"/>
-              <a:t>2015/9/19</a:t>
+              <a:t>2015/9/29</a:t>
             </a:fld>
             <a:endParaRPr lang="zh-TW" altLang="en-US"/>
           </a:p>
@@ -1500,7 +1514,7 @@
           <a:p>
             <a:fld id="{48F6D734-9D98-4A98-9E19-7EFE4887E21E}" type="datetime1">
               <a:rPr lang="zh-TW" altLang="en-US" smtClean="0"/>
-              <a:t>2015/9/19</a:t>
+              <a:t>2015/9/29</a:t>
             </a:fld>
             <a:endParaRPr lang="zh-TW" altLang="en-US"/>
           </a:p>
@@ -1837,7 +1851,7 @@
           <a:p>
             <a:fld id="{48F6D734-9D98-4A98-9E19-7EFE4887E21E}" type="datetime1">
               <a:rPr lang="zh-TW" altLang="en-US" smtClean="0"/>
-              <a:t>2015/9/19</a:t>
+              <a:t>2015/9/29</a:t>
             </a:fld>
             <a:endParaRPr lang="zh-TW" altLang="en-US"/>
           </a:p>
@@ -2158,7 +2172,7 @@
           <a:p>
             <a:fld id="{48F6D734-9D98-4A98-9E19-7EFE4887E21E}" type="datetime1">
               <a:rPr lang="zh-TW" altLang="en-US" smtClean="0"/>
-              <a:t>2015/9/19</a:t>
+              <a:t>2015/9/29</a:t>
             </a:fld>
             <a:endParaRPr lang="zh-TW" altLang="en-US"/>
           </a:p>
@@ -2555,7 +2569,7 @@
           <a:p>
             <a:fld id="{48F6D734-9D98-4A98-9E19-7EFE4887E21E}" type="datetime1">
               <a:rPr lang="zh-TW" altLang="en-US" smtClean="0"/>
-              <a:t>2015/9/19</a:t>
+              <a:t>2015/9/29</a:t>
             </a:fld>
             <a:endParaRPr lang="zh-TW" altLang="en-US"/>
           </a:p>
@@ -2813,7 +2827,7 @@
           <a:p>
             <a:fld id="{A392B7C8-D3B0-4F18-A8D4-75C71B18EA40}" type="datetime1">
               <a:rPr lang="zh-TW" altLang="en-US" smtClean="0"/>
-              <a:t>2015/9/19</a:t>
+              <a:t>2015/9/29</a:t>
             </a:fld>
             <a:endParaRPr lang="zh-TW" altLang="en-US"/>
           </a:p>
@@ -3075,7 +3089,7 @@
           <a:p>
             <a:fld id="{31781033-5BA3-4324-B74D-6A919A75A912}" type="datetime1">
               <a:rPr lang="zh-TW" altLang="en-US" smtClean="0"/>
-              <a:t>2015/9/19</a:t>
+              <a:t>2015/9/29</a:t>
             </a:fld>
             <a:endParaRPr lang="zh-TW" altLang="en-US"/>
           </a:p>
@@ -3337,7 +3351,7 @@
           <a:p>
             <a:fld id="{2F587E1E-63B5-4774-A6C1-143684EEA6E9}" type="datetime1">
               <a:rPr lang="zh-TW" altLang="en-US" smtClean="0"/>
-              <a:t>2015/9/19</a:t>
+              <a:t>2015/9/29</a:t>
             </a:fld>
             <a:endParaRPr lang="zh-TW" altLang="en-US"/>
           </a:p>
@@ -3666,7 +3680,7 @@
           <a:p>
             <a:fld id="{08ABFA8D-7D66-4BBB-9CCA-A43ADC3CE071}" type="datetime1">
               <a:rPr lang="zh-TW" altLang="en-US" smtClean="0"/>
-              <a:t>2015/9/19</a:t>
+              <a:t>2015/9/29</a:t>
             </a:fld>
             <a:endParaRPr lang="zh-TW" altLang="en-US"/>
           </a:p>
@@ -3989,7 +4003,7 @@
           <a:p>
             <a:fld id="{D9589BFA-65BF-47B9-A6B1-AC47F0EAA4EC}" type="datetime1">
               <a:rPr lang="zh-TW" altLang="en-US" smtClean="0"/>
-              <a:t>2015/9/19</a:t>
+              <a:t>2015/9/29</a:t>
             </a:fld>
             <a:endParaRPr lang="zh-TW" altLang="en-US"/>
           </a:p>
@@ -4446,7 +4460,7 @@
           <a:p>
             <a:fld id="{63B0F399-DE5D-49AD-BE92-77F3B0F9BA5C}" type="datetime1">
               <a:rPr lang="zh-TW" altLang="en-US" smtClean="0"/>
-              <a:t>2015/9/19</a:t>
+              <a:t>2015/9/29</a:t>
             </a:fld>
             <a:endParaRPr lang="zh-TW" altLang="en-US"/>
           </a:p>
@@ -4651,7 +4665,7 @@
           <a:p>
             <a:fld id="{5849889D-0216-4203-98A5-C5F48ADB5624}" type="datetime1">
               <a:rPr lang="zh-TW" altLang="en-US" smtClean="0"/>
-              <a:t>2015/9/19</a:t>
+              <a:t>2015/9/29</a:t>
             </a:fld>
             <a:endParaRPr lang="zh-TW" altLang="en-US"/>
           </a:p>
@@ -4828,7 +4842,7 @@
           <a:p>
             <a:fld id="{9F424B6A-8A84-4C73-BDF9-7B93CE48E34B}" type="datetime1">
               <a:rPr lang="zh-TW" altLang="en-US" smtClean="0"/>
-              <a:t>2015/9/19</a:t>
+              <a:t>2015/9/29</a:t>
             </a:fld>
             <a:endParaRPr lang="zh-TW" altLang="en-US"/>
           </a:p>
@@ -5161,7 +5175,7 @@
           <a:p>
             <a:fld id="{E84AF2F8-E4D9-4F01-8794-FDA7E11747D1}" type="datetime1">
               <a:rPr lang="zh-TW" altLang="en-US" smtClean="0"/>
-              <a:t>2015/9/19</a:t>
+              <a:t>2015/9/29</a:t>
             </a:fld>
             <a:endParaRPr lang="zh-TW" altLang="en-US"/>
           </a:p>
@@ -5506,7 +5520,7 @@
           <a:p>
             <a:fld id="{D74AB1E1-999B-45CB-88E7-E767B1437E4B}" type="datetime1">
               <a:rPr lang="zh-TW" altLang="en-US" smtClean="0"/>
-              <a:t>2015/9/19</a:t>
+              <a:t>2015/9/29</a:t>
             </a:fld>
             <a:endParaRPr lang="zh-TW" altLang="en-US"/>
           </a:p>
@@ -7623,7 +7637,7 @@
           <a:p>
             <a:fld id="{48F6D734-9D98-4A98-9E19-7EFE4887E21E}" type="datetime1">
               <a:rPr lang="zh-TW" altLang="en-US" smtClean="0"/>
-              <a:t>2015/9/19</a:t>
+              <a:t>2015/9/29</a:t>
             </a:fld>
             <a:endParaRPr lang="zh-TW" altLang="en-US"/>
           </a:p>
@@ -8233,6 +8247,1199 @@
 </p:sld>
 </file>
 
+<file path=ppt/slides/slide10.xml><?xml version="1.0" encoding="utf-8"?>
+<p:sld xmlns:a="http://schemas.openxmlformats.org/drawingml/2006/main" xmlns:r="http://schemas.openxmlformats.org/officeDocument/2006/relationships" xmlns:p="http://schemas.openxmlformats.org/presentationml/2006/main">
+  <p:cSld>
+    <p:spTree>
+      <p:nvGrpSpPr>
+        <p:cNvPr id="1" name=""/>
+        <p:cNvGrpSpPr/>
+        <p:nvPr/>
+      </p:nvGrpSpPr>
+      <p:grpSpPr>
+        <a:xfrm>
+          <a:off x="0" y="0"/>
+          <a:ext cx="0" cy="0"/>
+          <a:chOff x="0" y="0"/>
+          <a:chExt cx="0" cy="0"/>
+        </a:xfrm>
+      </p:grpSpPr>
+      <p:sp>
+        <p:nvSpPr>
+          <p:cNvPr id="2" name="標題 1"/>
+          <p:cNvSpPr>
+            <a:spLocks noGrp="1"/>
+          </p:cNvSpPr>
+          <p:nvPr>
+            <p:ph type="title"/>
+          </p:nvPr>
+        </p:nvSpPr>
+        <p:spPr/>
+        <p:txBody>
+          <a:bodyPr/>
+          <a:lstStyle/>
+          <a:p>
+            <a:r>
+              <a:rPr lang="zh-TW" altLang="en-US" dirty="0" smtClean="0"/>
+              <a:t>訓練模型</a:t>
+            </a:r>
+            <a:endParaRPr lang="zh-TW" altLang="en-US" dirty="0"/>
+          </a:p>
+        </p:txBody>
+      </p:sp>
+      <p:sp>
+        <p:nvSpPr>
+          <p:cNvPr id="3" name="內容版面配置區 2"/>
+          <p:cNvSpPr>
+            <a:spLocks noGrp="1"/>
+          </p:cNvSpPr>
+          <p:nvPr>
+            <p:ph idx="1"/>
+          </p:nvPr>
+        </p:nvSpPr>
+        <p:spPr/>
+        <p:txBody>
+          <a:bodyPr/>
+          <a:lstStyle/>
+          <a:p>
+            <a:r>
+              <a:rPr lang="zh-TW" altLang="en-US" dirty="0" smtClean="0"/>
+              <a:t>參考</a:t>
+            </a:r>
+            <a:r>
+              <a:rPr lang="en-US" altLang="zh-TW" dirty="0">
+                <a:hlinkClick r:id="rId2"/>
+              </a:rPr>
+              <a:t>http://nlp.stanford.edu/software/crf-faq.shtml</a:t>
+            </a:r>
+            <a:endParaRPr lang="en-US" altLang="zh-TW" dirty="0"/>
+          </a:p>
+          <a:p>
+            <a:r>
+              <a:rPr lang="zh-TW" altLang="en-US" dirty="0" smtClean="0"/>
+              <a:t>準備兩個檔案</a:t>
+            </a:r>
+            <a:r>
+              <a:rPr lang="en-US" altLang="zh-TW" dirty="0" smtClean="0"/>
+              <a:t>, </a:t>
+            </a:r>
+            <a:r>
+              <a:rPr lang="zh-TW" altLang="en-US" dirty="0" smtClean="0"/>
+              <a:t>配置</a:t>
+            </a:r>
+            <a:r>
+              <a:rPr lang="zh-TW" altLang="en-US" dirty="0"/>
+              <a:t>檔案</a:t>
+            </a:r>
+            <a:r>
+              <a:rPr lang="en-US" altLang="zh-TW" dirty="0" smtClean="0"/>
+              <a:t>,</a:t>
+            </a:r>
+            <a:r>
+              <a:rPr lang="zh-TW" altLang="en-US" dirty="0" smtClean="0"/>
+              <a:t> 訓練檔案</a:t>
+            </a:r>
+            <a:endParaRPr lang="en-US" altLang="zh-TW" dirty="0" smtClean="0"/>
+          </a:p>
+          <a:p>
+            <a:r>
+              <a:rPr lang="zh-TW" altLang="en-US" dirty="0" smtClean="0"/>
+              <a:t>配置檔案指示訓練檔案名稱</a:t>
+            </a:r>
+            <a:r>
+              <a:rPr lang="en-US" altLang="zh-TW" dirty="0" smtClean="0"/>
+              <a:t>,</a:t>
+            </a:r>
+            <a:r>
+              <a:rPr lang="zh-TW" altLang="en-US" dirty="0" smtClean="0"/>
+              <a:t> 輸出模型名稱</a:t>
+            </a:r>
+            <a:r>
+              <a:rPr lang="en-US" altLang="zh-TW" dirty="0" smtClean="0"/>
+              <a:t>,</a:t>
+            </a:r>
+            <a:r>
+              <a:rPr lang="zh-TW" altLang="en-US" dirty="0" smtClean="0"/>
+              <a:t> 與配置喜好</a:t>
+            </a:r>
+            <a:endParaRPr lang="en-US" altLang="zh-TW" dirty="0" smtClean="0"/>
+          </a:p>
+          <a:p>
+            <a:r>
+              <a:rPr lang="zh-TW" altLang="en-US" dirty="0" smtClean="0"/>
+              <a:t>訓練檔案</a:t>
+            </a:r>
+            <a:r>
+              <a:rPr lang="en-US" altLang="zh-TW" dirty="0" smtClean="0"/>
+              <a:t/>
+            </a:r>
+            <a:br>
+              <a:rPr lang="en-US" altLang="zh-TW" dirty="0" smtClean="0"/>
+            </a:br>
+            <a:r>
+              <a:rPr lang="en-US" altLang="zh-TW" dirty="0" smtClean="0"/>
+              <a:t/>
+            </a:r>
+            <a:br>
+              <a:rPr lang="en-US" altLang="zh-TW" dirty="0" smtClean="0"/>
+            </a:br>
+            <a:r>
+              <a:rPr lang="zh-TW" altLang="en-US" dirty="0" smtClean="0"/>
+              <a:t>訓練檔案內每個</a:t>
+            </a:r>
+            <a:r>
+              <a:rPr lang="en-US" altLang="zh-TW" dirty="0" smtClean="0"/>
+              <a:t>token</a:t>
+            </a:r>
+            <a:r>
+              <a:rPr lang="zh-TW" altLang="en-US" dirty="0" smtClean="0"/>
+              <a:t>不同行</a:t>
+            </a:r>
+            <a:r>
+              <a:rPr lang="en-US" altLang="zh-TW" dirty="0" smtClean="0"/>
+              <a:t/>
+            </a:r>
+            <a:br>
+              <a:rPr lang="en-US" altLang="zh-TW" dirty="0" smtClean="0"/>
+            </a:br>
+            <a:r>
+              <a:rPr lang="zh-TW" altLang="en-US" dirty="0" smtClean="0"/>
+              <a:t>且每個</a:t>
+            </a:r>
+            <a:r>
+              <a:rPr lang="en-US" altLang="zh-TW" dirty="0" smtClean="0"/>
+              <a:t>token</a:t>
+            </a:r>
+            <a:r>
+              <a:rPr lang="zh-TW" altLang="en-US" dirty="0" smtClean="0"/>
+              <a:t>後面接一個</a:t>
+            </a:r>
+            <a:r>
+              <a:rPr lang="en-US" altLang="zh-TW" dirty="0" smtClean="0"/>
+              <a:t>Tab,</a:t>
+            </a:r>
+            <a:r>
+              <a:rPr lang="zh-TW" altLang="en-US" dirty="0" smtClean="0"/>
+              <a:t> 再接分類</a:t>
+            </a:r>
+            <a:r>
+              <a:rPr lang="en-US" altLang="zh-TW" dirty="0" smtClean="0"/>
+              <a:t/>
+            </a:r>
+            <a:br>
+              <a:rPr lang="en-US" altLang="zh-TW" dirty="0" smtClean="0"/>
+            </a:br>
+            <a:r>
+              <a:rPr lang="zh-TW" altLang="en-US" dirty="0" smtClean="0"/>
+              <a:t>即為</a:t>
+            </a:r>
+            <a:r>
+              <a:rPr lang="en-US" altLang="zh-TW" dirty="0" smtClean="0"/>
+              <a:t>&lt;token , tab , </a:t>
+            </a:r>
+            <a:r>
+              <a:rPr lang="zh-TW" altLang="en-US" dirty="0" smtClean="0"/>
+              <a:t>分類</a:t>
+            </a:r>
+            <a:r>
+              <a:rPr lang="en-US" altLang="zh-TW" dirty="0" smtClean="0"/>
+              <a:t>&gt;</a:t>
+            </a:r>
+            <a:br>
+              <a:rPr lang="en-US" altLang="zh-TW" dirty="0" smtClean="0"/>
+            </a:br>
+            <a:r>
+              <a:rPr lang="en-US" altLang="zh-TW" dirty="0" smtClean="0"/>
+              <a:t/>
+            </a:r>
+            <a:br>
+              <a:rPr lang="en-US" altLang="zh-TW" dirty="0" smtClean="0"/>
+            </a:br>
+            <a:r>
+              <a:rPr lang="zh-TW" altLang="en-US" dirty="0" smtClean="0"/>
+              <a:t>分類自訂</a:t>
+            </a:r>
+            <a:r>
+              <a:rPr lang="en-US" altLang="zh-TW" dirty="0" smtClean="0"/>
+              <a:t>, </a:t>
+            </a:r>
+            <a:r>
+              <a:rPr lang="zh-TW" altLang="en-US" dirty="0" smtClean="0"/>
+              <a:t>例如</a:t>
+            </a:r>
+            <a:r>
+              <a:rPr lang="en-US" altLang="zh-TW" dirty="0" smtClean="0"/>
+              <a:t>Person</a:t>
+            </a:r>
+            <a:br>
+              <a:rPr lang="en-US" altLang="zh-TW" dirty="0" smtClean="0"/>
+            </a:br>
+            <a:r>
+              <a:rPr lang="zh-TW" altLang="en-US" dirty="0" smtClean="0"/>
+              <a:t>沒有想要分類的</a:t>
+            </a:r>
+            <a:r>
+              <a:rPr lang="en-US" altLang="zh-TW" dirty="0" smtClean="0"/>
+              <a:t>token</a:t>
+            </a:r>
+            <a:r>
+              <a:rPr lang="zh-TW" altLang="en-US" dirty="0" smtClean="0"/>
+              <a:t>就用</a:t>
+            </a:r>
+            <a:r>
+              <a:rPr lang="en-US" altLang="zh-TW" dirty="0" smtClean="0"/>
+              <a:t>O</a:t>
+            </a:r>
+            <a:r>
+              <a:rPr lang="zh-TW" altLang="en-US" dirty="0" smtClean="0"/>
+              <a:t>表示</a:t>
+            </a:r>
+            <a:endParaRPr lang="zh-TW" altLang="en-US" dirty="0"/>
+          </a:p>
+        </p:txBody>
+      </p:sp>
+      <p:sp>
+        <p:nvSpPr>
+          <p:cNvPr id="4" name="投影片編號版面配置區 3"/>
+          <p:cNvSpPr>
+            <a:spLocks noGrp="1"/>
+          </p:cNvSpPr>
+          <p:nvPr>
+            <p:ph type="sldNum" sz="quarter" idx="12"/>
+          </p:nvPr>
+        </p:nvSpPr>
+        <p:spPr/>
+        <p:txBody>
+          <a:bodyPr/>
+          <a:lstStyle/>
+          <a:p>
+            <a:fld id="{653224D0-88C8-4D69-B6A8-DEDEB5EC659E}" type="slidenum">
+              <a:rPr lang="zh-TW" altLang="en-US" smtClean="0"/>
+              <a:t>10</a:t>
+            </a:fld>
+            <a:endParaRPr lang="zh-TW" altLang="en-US"/>
+          </a:p>
+        </p:txBody>
+      </p:sp>
+    </p:spTree>
+    <p:extLst>
+      <p:ext uri="{BB962C8B-B14F-4D97-AF65-F5344CB8AC3E}">
+        <p14:creationId xmlns:p14="http://schemas.microsoft.com/office/powerpoint/2010/main" val="3234834698"/>
+      </p:ext>
+    </p:extLst>
+  </p:cSld>
+  <p:clrMapOvr>
+    <a:masterClrMapping/>
+  </p:clrMapOvr>
+  <p:timing>
+    <p:tnLst>
+      <p:par>
+        <p:cTn id="1" dur="indefinite" restart="never" nodeType="tmRoot"/>
+      </p:par>
+    </p:tnLst>
+  </p:timing>
+</p:sld>
+</file>
+
+<file path=ppt/slides/slide11.xml><?xml version="1.0" encoding="utf-8"?>
+<p:sld xmlns:a="http://schemas.openxmlformats.org/drawingml/2006/main" xmlns:r="http://schemas.openxmlformats.org/officeDocument/2006/relationships" xmlns:p="http://schemas.openxmlformats.org/presentationml/2006/main">
+  <p:cSld>
+    <p:spTree>
+      <p:nvGrpSpPr>
+        <p:cNvPr id="1" name=""/>
+        <p:cNvGrpSpPr/>
+        <p:nvPr/>
+      </p:nvGrpSpPr>
+      <p:grpSpPr>
+        <a:xfrm>
+          <a:off x="0" y="0"/>
+          <a:ext cx="0" cy="0"/>
+          <a:chOff x="0" y="0"/>
+          <a:chExt cx="0" cy="0"/>
+        </a:xfrm>
+      </p:grpSpPr>
+      <p:sp>
+        <p:nvSpPr>
+          <p:cNvPr id="2" name="標題 1"/>
+          <p:cNvSpPr>
+            <a:spLocks noGrp="1"/>
+          </p:cNvSpPr>
+          <p:nvPr>
+            <p:ph type="title"/>
+          </p:nvPr>
+        </p:nvSpPr>
+        <p:spPr/>
+        <p:txBody>
+          <a:bodyPr/>
+          <a:lstStyle/>
+          <a:p>
+            <a:r>
+              <a:rPr lang="zh-TW" altLang="en-US" dirty="0" smtClean="0"/>
+              <a:t>訓練模型</a:t>
+            </a:r>
+            <a:endParaRPr lang="zh-TW" altLang="en-US" dirty="0"/>
+          </a:p>
+        </p:txBody>
+      </p:sp>
+      <p:sp>
+        <p:nvSpPr>
+          <p:cNvPr id="9" name="內容版面配置區 8"/>
+          <p:cNvSpPr>
+            <a:spLocks noGrp="1"/>
+          </p:cNvSpPr>
+          <p:nvPr>
+            <p:ph sz="half" idx="1"/>
+          </p:nvPr>
+        </p:nvSpPr>
+        <p:spPr>
+          <a:xfrm>
+            <a:off x="2589212" y="2133600"/>
+            <a:ext cx="6213594" cy="3777622"/>
+          </a:xfrm>
+        </p:spPr>
+        <p:txBody>
+          <a:bodyPr/>
+          <a:lstStyle/>
+          <a:p>
+            <a:r>
+              <a:rPr lang="zh-TW" altLang="en-US" dirty="0" smtClean="0"/>
+              <a:t>配置檔案</a:t>
+            </a:r>
+            <a:r>
+              <a:rPr lang="en-US" altLang="zh-TW" dirty="0" smtClean="0"/>
+              <a:t>(.prop)</a:t>
+            </a:r>
+            <a:endParaRPr lang="zh-TW" altLang="en-US" dirty="0"/>
+          </a:p>
+        </p:txBody>
+      </p:sp>
+      <p:sp>
+        <p:nvSpPr>
+          <p:cNvPr id="10" name="內容版面配置區 9"/>
+          <p:cNvSpPr>
+            <a:spLocks noGrp="1"/>
+          </p:cNvSpPr>
+          <p:nvPr>
+            <p:ph sz="half" idx="2"/>
+          </p:nvPr>
+        </p:nvSpPr>
+        <p:spPr>
+          <a:xfrm>
+            <a:off x="9005899" y="2133600"/>
+            <a:ext cx="4313864" cy="3777622"/>
+          </a:xfrm>
+        </p:spPr>
+        <p:txBody>
+          <a:bodyPr/>
+          <a:lstStyle/>
+          <a:p>
+            <a:r>
+              <a:rPr lang="zh-TW" altLang="en-US" dirty="0" smtClean="0"/>
+              <a:t>訓練</a:t>
+            </a:r>
+            <a:r>
+              <a:rPr lang="zh-TW" altLang="en-US" dirty="0"/>
+              <a:t>檔案</a:t>
+            </a:r>
+          </a:p>
+        </p:txBody>
+      </p:sp>
+      <p:sp>
+        <p:nvSpPr>
+          <p:cNvPr id="4" name="投影片編號版面配置區 3"/>
+          <p:cNvSpPr>
+            <a:spLocks noGrp="1"/>
+          </p:cNvSpPr>
+          <p:nvPr>
+            <p:ph type="sldNum" sz="quarter" idx="12"/>
+          </p:nvPr>
+        </p:nvSpPr>
+        <p:spPr/>
+        <p:txBody>
+          <a:bodyPr/>
+          <a:lstStyle/>
+          <a:p>
+            <a:fld id="{653224D0-88C8-4D69-B6A8-DEDEB5EC659E}" type="slidenum">
+              <a:rPr lang="zh-TW" altLang="en-US" smtClean="0"/>
+              <a:t>11</a:t>
+            </a:fld>
+            <a:endParaRPr lang="zh-TW" altLang="en-US"/>
+          </a:p>
+        </p:txBody>
+      </p:sp>
+      <p:pic>
+        <p:nvPicPr>
+          <p:cNvPr id="11" name="圖片 10"/>
+          <p:cNvPicPr>
+            <a:picLocks noChangeAspect="1"/>
+          </p:cNvPicPr>
+          <p:nvPr/>
+        </p:nvPicPr>
+        <p:blipFill>
+          <a:blip r:embed="rId2">
+            <a:extLst>
+              <a:ext uri="{28A0092B-C50C-407E-A947-70E740481C1C}">
+                <a14:useLocalDpi xmlns:a14="http://schemas.microsoft.com/office/drawing/2010/main" val="0"/>
+              </a:ext>
+            </a:extLst>
+          </a:blip>
+          <a:stretch>
+            <a:fillRect/>
+          </a:stretch>
+        </p:blipFill>
+        <p:spPr>
+          <a:xfrm>
+            <a:off x="9005899" y="2731576"/>
+            <a:ext cx="2295845" cy="3172268"/>
+          </a:xfrm>
+          <a:prstGeom prst="rect">
+            <a:avLst/>
+          </a:prstGeom>
+        </p:spPr>
+      </p:pic>
+      <p:pic>
+        <p:nvPicPr>
+          <p:cNvPr id="14" name="圖片 13"/>
+          <p:cNvPicPr>
+            <a:picLocks noChangeAspect="1"/>
+          </p:cNvPicPr>
+          <p:nvPr/>
+        </p:nvPicPr>
+        <p:blipFill>
+          <a:blip r:embed="rId3">
+            <a:extLst>
+              <a:ext uri="{28A0092B-C50C-407E-A947-70E740481C1C}">
+                <a14:useLocalDpi xmlns:a14="http://schemas.microsoft.com/office/drawing/2010/main" val="0"/>
+              </a:ext>
+            </a:extLst>
+          </a:blip>
+          <a:stretch>
+            <a:fillRect/>
+          </a:stretch>
+        </p:blipFill>
+        <p:spPr>
+          <a:xfrm>
+            <a:off x="2589212" y="2731576"/>
+            <a:ext cx="5108125" cy="4151584"/>
+          </a:xfrm>
+          <a:prstGeom prst="rect">
+            <a:avLst/>
+          </a:prstGeom>
+        </p:spPr>
+      </p:pic>
+    </p:spTree>
+    <p:extLst>
+      <p:ext uri="{BB962C8B-B14F-4D97-AF65-F5344CB8AC3E}">
+        <p14:creationId xmlns:p14="http://schemas.microsoft.com/office/powerpoint/2010/main" val="3372991236"/>
+      </p:ext>
+    </p:extLst>
+  </p:cSld>
+  <p:clrMapOvr>
+    <a:masterClrMapping/>
+  </p:clrMapOvr>
+  <p:timing>
+    <p:tnLst>
+      <p:par>
+        <p:cTn id="1" dur="indefinite" restart="never" nodeType="tmRoot"/>
+      </p:par>
+    </p:tnLst>
+  </p:timing>
+</p:sld>
+</file>
+
+<file path=ppt/slides/slide12.xml><?xml version="1.0" encoding="utf-8"?>
+<p:sld xmlns:a="http://schemas.openxmlformats.org/drawingml/2006/main" xmlns:r="http://schemas.openxmlformats.org/officeDocument/2006/relationships" xmlns:p="http://schemas.openxmlformats.org/presentationml/2006/main">
+  <p:cSld>
+    <p:spTree>
+      <p:nvGrpSpPr>
+        <p:cNvPr id="1" name=""/>
+        <p:cNvGrpSpPr/>
+        <p:nvPr/>
+      </p:nvGrpSpPr>
+      <p:grpSpPr>
+        <a:xfrm>
+          <a:off x="0" y="0"/>
+          <a:ext cx="0" cy="0"/>
+          <a:chOff x="0" y="0"/>
+          <a:chExt cx="0" cy="0"/>
+        </a:xfrm>
+      </p:grpSpPr>
+      <p:sp>
+        <p:nvSpPr>
+          <p:cNvPr id="2" name="標題 1"/>
+          <p:cNvSpPr>
+            <a:spLocks noGrp="1"/>
+          </p:cNvSpPr>
+          <p:nvPr>
+            <p:ph type="title"/>
+          </p:nvPr>
+        </p:nvSpPr>
+        <p:spPr/>
+        <p:txBody>
+          <a:bodyPr/>
+          <a:lstStyle/>
+          <a:p>
+            <a:r>
+              <a:rPr lang="zh-TW" altLang="en-US" dirty="0" smtClean="0"/>
+              <a:t>訓練模型</a:t>
+            </a:r>
+            <a:endParaRPr lang="zh-TW" altLang="en-US" dirty="0"/>
+          </a:p>
+        </p:txBody>
+      </p:sp>
+      <p:sp>
+        <p:nvSpPr>
+          <p:cNvPr id="6" name="內容版面配置區 5"/>
+          <p:cNvSpPr>
+            <a:spLocks noGrp="1"/>
+          </p:cNvSpPr>
+          <p:nvPr>
+            <p:ph idx="1"/>
+          </p:nvPr>
+        </p:nvSpPr>
+        <p:spPr>
+          <a:xfrm>
+            <a:off x="2589212" y="2133600"/>
+            <a:ext cx="9602788" cy="3777622"/>
+          </a:xfrm>
+        </p:spPr>
+        <p:txBody>
+          <a:bodyPr/>
+          <a:lstStyle/>
+          <a:p>
+            <a:r>
+              <a:rPr lang="zh-TW" altLang="en-US" dirty="0" smtClean="0"/>
+              <a:t>下達指令</a:t>
+            </a:r>
+            <a:r>
+              <a:rPr lang="en-US" altLang="zh-TW" dirty="0" smtClean="0"/>
+              <a:t>	</a:t>
+            </a:r>
+            <a:br>
+              <a:rPr lang="en-US" altLang="zh-TW" dirty="0" smtClean="0"/>
+            </a:br>
+            <a:r>
+              <a:rPr lang="en-US" altLang="zh-TW" dirty="0" smtClean="0"/>
+              <a:t>java </a:t>
+            </a:r>
+            <a:r>
+              <a:rPr lang="en-US" altLang="zh-TW" dirty="0"/>
+              <a:t>-</a:t>
+            </a:r>
+            <a:r>
+              <a:rPr lang="en-US" altLang="zh-TW" dirty="0" err="1"/>
+              <a:t>cp</a:t>
+            </a:r>
+            <a:r>
+              <a:rPr lang="en-US" altLang="zh-TW" dirty="0"/>
+              <a:t> stanford-ner.jar </a:t>
+            </a:r>
+            <a:r>
+              <a:rPr lang="en-US" altLang="zh-TW" dirty="0" err="1"/>
+              <a:t>edu.stanford.nlp.ie.crf.CRFClassifier</a:t>
+            </a:r>
+            <a:r>
+              <a:rPr lang="en-US" altLang="zh-TW" dirty="0"/>
+              <a:t> </a:t>
+            </a:r>
+            <a:r>
+              <a:rPr lang="en-US" altLang="zh-TW" dirty="0" smtClean="0"/>
+              <a:t>–prop</a:t>
+            </a:r>
+            <a:r>
+              <a:rPr lang="zh-TW" altLang="en-US" dirty="0" smtClean="0"/>
+              <a:t> 配置檔案名稱</a:t>
+            </a:r>
+            <a:r>
+              <a:rPr lang="en-US" altLang="zh-TW" dirty="0" smtClean="0"/>
+              <a:t/>
+            </a:r>
+            <a:br>
+              <a:rPr lang="en-US" altLang="zh-TW" dirty="0" smtClean="0"/>
+            </a:br>
+            <a:r>
+              <a:rPr lang="en-US" altLang="zh-TW" dirty="0" smtClean="0"/>
+              <a:t/>
+            </a:r>
+            <a:br>
+              <a:rPr lang="en-US" altLang="zh-TW" dirty="0" smtClean="0"/>
+            </a:br>
+            <a:r>
+              <a:rPr lang="zh-TW" altLang="en-US" dirty="0" smtClean="0"/>
+              <a:t>即可訓練模型</a:t>
+            </a:r>
+            <a:endParaRPr lang="en-US" altLang="zh-TW" dirty="0" smtClean="0"/>
+          </a:p>
+          <a:p>
+            <a:r>
+              <a:rPr lang="zh-TW" altLang="en-US" dirty="0" smtClean="0"/>
+              <a:t>執行結果</a:t>
+            </a:r>
+            <a:endParaRPr lang="zh-TW" altLang="en-US" dirty="0"/>
+          </a:p>
+        </p:txBody>
+      </p:sp>
+      <p:sp>
+        <p:nvSpPr>
+          <p:cNvPr id="5" name="投影片編號版面配置區 4"/>
+          <p:cNvSpPr>
+            <a:spLocks noGrp="1"/>
+          </p:cNvSpPr>
+          <p:nvPr>
+            <p:ph type="sldNum" sz="quarter" idx="12"/>
+          </p:nvPr>
+        </p:nvSpPr>
+        <p:spPr/>
+        <p:txBody>
+          <a:bodyPr/>
+          <a:lstStyle/>
+          <a:p>
+            <a:fld id="{653224D0-88C8-4D69-B6A8-DEDEB5EC659E}" type="slidenum">
+              <a:rPr lang="zh-TW" altLang="en-US" smtClean="0"/>
+              <a:t>12</a:t>
+            </a:fld>
+            <a:endParaRPr lang="zh-TW" altLang="en-US"/>
+          </a:p>
+        </p:txBody>
+      </p:sp>
+      <p:pic>
+        <p:nvPicPr>
+          <p:cNvPr id="3" name="圖片 2"/>
+          <p:cNvPicPr>
+            <a:picLocks noChangeAspect="1"/>
+          </p:cNvPicPr>
+          <p:nvPr/>
+        </p:nvPicPr>
+        <p:blipFill>
+          <a:blip r:embed="rId2">
+            <a:extLst>
+              <a:ext uri="{28A0092B-C50C-407E-A947-70E740481C1C}">
+                <a14:useLocalDpi xmlns:a14="http://schemas.microsoft.com/office/drawing/2010/main" val="0"/>
+              </a:ext>
+            </a:extLst>
+          </a:blip>
+          <a:stretch>
+            <a:fillRect/>
+          </a:stretch>
+        </p:blipFill>
+        <p:spPr>
+          <a:xfrm>
+            <a:off x="4157344" y="3662235"/>
+            <a:ext cx="6175376" cy="2462415"/>
+          </a:xfrm>
+          <a:prstGeom prst="rect">
+            <a:avLst/>
+          </a:prstGeom>
+        </p:spPr>
+      </p:pic>
+    </p:spTree>
+    <p:extLst>
+      <p:ext uri="{BB962C8B-B14F-4D97-AF65-F5344CB8AC3E}">
+        <p14:creationId xmlns:p14="http://schemas.microsoft.com/office/powerpoint/2010/main" val="3118189033"/>
+      </p:ext>
+    </p:extLst>
+  </p:cSld>
+  <p:clrMapOvr>
+    <a:masterClrMapping/>
+  </p:clrMapOvr>
+  <p:timing>
+    <p:tnLst>
+      <p:par>
+        <p:cTn id="1" dur="indefinite" restart="never" nodeType="tmRoot"/>
+      </p:par>
+    </p:tnLst>
+  </p:timing>
+</p:sld>
+</file>
+
+<file path=ppt/slides/slide13.xml><?xml version="1.0" encoding="utf-8"?>
+<p:sld xmlns:a="http://schemas.openxmlformats.org/drawingml/2006/main" xmlns:r="http://schemas.openxmlformats.org/officeDocument/2006/relationships" xmlns:p="http://schemas.openxmlformats.org/presentationml/2006/main">
+  <p:cSld>
+    <p:spTree>
+      <p:nvGrpSpPr>
+        <p:cNvPr id="1" name=""/>
+        <p:cNvGrpSpPr/>
+        <p:nvPr/>
+      </p:nvGrpSpPr>
+      <p:grpSpPr>
+        <a:xfrm>
+          <a:off x="0" y="0"/>
+          <a:ext cx="0" cy="0"/>
+          <a:chOff x="0" y="0"/>
+          <a:chExt cx="0" cy="0"/>
+        </a:xfrm>
+      </p:grpSpPr>
+      <p:sp>
+        <p:nvSpPr>
+          <p:cNvPr id="2" name="標題 1"/>
+          <p:cNvSpPr>
+            <a:spLocks noGrp="1"/>
+          </p:cNvSpPr>
+          <p:nvPr>
+            <p:ph type="title"/>
+          </p:nvPr>
+        </p:nvSpPr>
+        <p:spPr/>
+        <p:txBody>
+          <a:bodyPr/>
+          <a:lstStyle/>
+          <a:p>
+            <a:r>
+              <a:rPr lang="zh-TW" altLang="en-US" dirty="0" smtClean="0"/>
+              <a:t>輸出</a:t>
+            </a:r>
+            <a:endParaRPr lang="zh-TW" altLang="en-US" dirty="0"/>
+          </a:p>
+        </p:txBody>
+      </p:sp>
+      <p:sp>
+        <p:nvSpPr>
+          <p:cNvPr id="5" name="內容版面配置區 4"/>
+          <p:cNvSpPr>
+            <a:spLocks noGrp="1"/>
+          </p:cNvSpPr>
+          <p:nvPr>
+            <p:ph sz="half" idx="1"/>
+          </p:nvPr>
+        </p:nvSpPr>
+        <p:spPr/>
+        <p:txBody>
+          <a:bodyPr/>
+          <a:lstStyle/>
+          <a:p>
+            <a:r>
+              <a:rPr lang="zh-TW" altLang="en-US" dirty="0" smtClean="0"/>
+              <a:t>用</a:t>
+            </a:r>
+            <a:r>
+              <a:rPr lang="en-US" altLang="zh-TW" dirty="0" smtClean="0"/>
+              <a:t>Save Tagged File As</a:t>
+            </a:r>
+            <a:r>
+              <a:rPr lang="zh-TW" altLang="en-US" dirty="0" smtClean="0"/>
+              <a:t>來儲存結果</a:t>
+            </a:r>
+            <a:endParaRPr lang="zh-TW" altLang="en-US" dirty="0"/>
+          </a:p>
+        </p:txBody>
+      </p:sp>
+      <p:sp>
+        <p:nvSpPr>
+          <p:cNvPr id="6" name="內容版面配置區 5"/>
+          <p:cNvSpPr>
+            <a:spLocks noGrp="1"/>
+          </p:cNvSpPr>
+          <p:nvPr>
+            <p:ph sz="half" idx="2"/>
+          </p:nvPr>
+        </p:nvSpPr>
+        <p:spPr>
+          <a:xfrm>
+            <a:off x="6903076" y="2133600"/>
+            <a:ext cx="4313864" cy="3777622"/>
+          </a:xfrm>
+        </p:spPr>
+        <p:txBody>
+          <a:bodyPr/>
+          <a:lstStyle/>
+          <a:p>
+            <a:r>
+              <a:rPr lang="zh-TW" altLang="en-US" dirty="0" smtClean="0"/>
+              <a:t>輸出結果</a:t>
+            </a:r>
+            <a:endParaRPr lang="zh-TW" altLang="en-US" dirty="0"/>
+          </a:p>
+        </p:txBody>
+      </p:sp>
+      <p:sp>
+        <p:nvSpPr>
+          <p:cNvPr id="4" name="投影片編號版面配置區 3"/>
+          <p:cNvSpPr>
+            <a:spLocks noGrp="1"/>
+          </p:cNvSpPr>
+          <p:nvPr>
+            <p:ph type="sldNum" sz="quarter" idx="12"/>
+          </p:nvPr>
+        </p:nvSpPr>
+        <p:spPr/>
+        <p:txBody>
+          <a:bodyPr/>
+          <a:lstStyle/>
+          <a:p>
+            <a:fld id="{653224D0-88C8-4D69-B6A8-DEDEB5EC659E}" type="slidenum">
+              <a:rPr lang="zh-TW" altLang="en-US" smtClean="0"/>
+              <a:t>13</a:t>
+            </a:fld>
+            <a:endParaRPr lang="zh-TW" altLang="en-US"/>
+          </a:p>
+        </p:txBody>
+      </p:sp>
+      <p:pic>
+        <p:nvPicPr>
+          <p:cNvPr id="7" name="圖片 6"/>
+          <p:cNvPicPr>
+            <a:picLocks noChangeAspect="1"/>
+          </p:cNvPicPr>
+          <p:nvPr/>
+        </p:nvPicPr>
+        <p:blipFill>
+          <a:blip r:embed="rId2">
+            <a:extLst>
+              <a:ext uri="{28A0092B-C50C-407E-A947-70E740481C1C}">
+                <a14:useLocalDpi xmlns:a14="http://schemas.microsoft.com/office/drawing/2010/main" val="0"/>
+              </a:ext>
+            </a:extLst>
+          </a:blip>
+          <a:stretch>
+            <a:fillRect/>
+          </a:stretch>
+        </p:blipFill>
+        <p:spPr>
+          <a:xfrm>
+            <a:off x="2589211" y="2829170"/>
+            <a:ext cx="3484043" cy="3804942"/>
+          </a:xfrm>
+          <a:prstGeom prst="rect">
+            <a:avLst/>
+          </a:prstGeom>
+        </p:spPr>
+      </p:pic>
+      <p:pic>
+        <p:nvPicPr>
+          <p:cNvPr id="9" name="圖片 8"/>
+          <p:cNvPicPr>
+            <a:picLocks noChangeAspect="1"/>
+          </p:cNvPicPr>
+          <p:nvPr/>
+        </p:nvPicPr>
+        <p:blipFill>
+          <a:blip r:embed="rId3">
+            <a:extLst>
+              <a:ext uri="{28A0092B-C50C-407E-A947-70E740481C1C}">
+                <a14:useLocalDpi xmlns:a14="http://schemas.microsoft.com/office/drawing/2010/main" val="0"/>
+              </a:ext>
+            </a:extLst>
+          </a:blip>
+          <a:stretch>
+            <a:fillRect/>
+          </a:stretch>
+        </p:blipFill>
+        <p:spPr>
+          <a:xfrm>
+            <a:off x="6903076" y="2829170"/>
+            <a:ext cx="4165258" cy="3511884"/>
+          </a:xfrm>
+          <a:prstGeom prst="rect">
+            <a:avLst/>
+          </a:prstGeom>
+        </p:spPr>
+      </p:pic>
+    </p:spTree>
+    <p:extLst>
+      <p:ext uri="{BB962C8B-B14F-4D97-AF65-F5344CB8AC3E}">
+        <p14:creationId xmlns:p14="http://schemas.microsoft.com/office/powerpoint/2010/main" val="2926753156"/>
+      </p:ext>
+    </p:extLst>
+  </p:cSld>
+  <p:clrMapOvr>
+    <a:masterClrMapping/>
+  </p:clrMapOvr>
+</p:sld>
+</file>
+
+<file path=ppt/slides/slide14.xml><?xml version="1.0" encoding="utf-8"?>
+<p:sld xmlns:a="http://schemas.openxmlformats.org/drawingml/2006/main" xmlns:r="http://schemas.openxmlformats.org/officeDocument/2006/relationships" xmlns:p="http://schemas.openxmlformats.org/presentationml/2006/main">
+  <p:cSld>
+    <p:spTree>
+      <p:nvGrpSpPr>
+        <p:cNvPr id="1" name=""/>
+        <p:cNvGrpSpPr/>
+        <p:nvPr/>
+      </p:nvGrpSpPr>
+      <p:grpSpPr>
+        <a:xfrm>
+          <a:off x="0" y="0"/>
+          <a:ext cx="0" cy="0"/>
+          <a:chOff x="0" y="0"/>
+          <a:chExt cx="0" cy="0"/>
+        </a:xfrm>
+      </p:grpSpPr>
+      <p:sp>
+        <p:nvSpPr>
+          <p:cNvPr id="2" name="標題 1"/>
+          <p:cNvSpPr>
+            <a:spLocks noGrp="1"/>
+          </p:cNvSpPr>
+          <p:nvPr>
+            <p:ph type="title"/>
+          </p:nvPr>
+        </p:nvSpPr>
+        <p:spPr/>
+        <p:txBody>
+          <a:bodyPr/>
+          <a:lstStyle/>
+          <a:p>
+            <a:r>
+              <a:rPr lang="en-US" altLang="zh-TW" dirty="0" smtClean="0"/>
+              <a:t>Online Demo</a:t>
+            </a:r>
+            <a:endParaRPr lang="zh-TW" altLang="en-US" dirty="0"/>
+          </a:p>
+        </p:txBody>
+      </p:sp>
+      <p:sp>
+        <p:nvSpPr>
+          <p:cNvPr id="6" name="內容版面配置區 5"/>
+          <p:cNvSpPr>
+            <a:spLocks noGrp="1"/>
+          </p:cNvSpPr>
+          <p:nvPr>
+            <p:ph idx="1"/>
+          </p:nvPr>
+        </p:nvSpPr>
+        <p:spPr/>
+        <p:txBody>
+          <a:bodyPr/>
+          <a:lstStyle/>
+          <a:p>
+            <a:r>
+              <a:rPr lang="en-US" altLang="zh-TW" dirty="0" smtClean="0">
+                <a:hlinkClick r:id="rId2"/>
+              </a:rPr>
+              <a:t>Online Demo</a:t>
+            </a:r>
+            <a:r>
+              <a:rPr lang="en-US" altLang="zh-TW" dirty="0" smtClean="0"/>
+              <a:t/>
+            </a:r>
+            <a:br>
+              <a:rPr lang="en-US" altLang="zh-TW" dirty="0" smtClean="0"/>
+            </a:br>
+            <a:endParaRPr lang="en-US" altLang="zh-TW" dirty="0" smtClean="0"/>
+          </a:p>
+        </p:txBody>
+      </p:sp>
+      <p:sp>
+        <p:nvSpPr>
+          <p:cNvPr id="5" name="投影片編號版面配置區 4"/>
+          <p:cNvSpPr>
+            <a:spLocks noGrp="1"/>
+          </p:cNvSpPr>
+          <p:nvPr>
+            <p:ph type="sldNum" sz="quarter" idx="12"/>
+          </p:nvPr>
+        </p:nvSpPr>
+        <p:spPr/>
+        <p:txBody>
+          <a:bodyPr/>
+          <a:lstStyle/>
+          <a:p>
+            <a:fld id="{653224D0-88C8-4D69-B6A8-DEDEB5EC659E}" type="slidenum">
+              <a:rPr lang="zh-TW" altLang="en-US" smtClean="0"/>
+              <a:t>14</a:t>
+            </a:fld>
+            <a:endParaRPr lang="zh-TW" altLang="en-US"/>
+          </a:p>
+        </p:txBody>
+      </p:sp>
+      <p:pic>
+        <p:nvPicPr>
+          <p:cNvPr id="8" name="圖片 7"/>
+          <p:cNvPicPr>
+            <a:picLocks noChangeAspect="1"/>
+          </p:cNvPicPr>
+          <p:nvPr/>
+        </p:nvPicPr>
+        <p:blipFill>
+          <a:blip r:embed="rId3">
+            <a:extLst>
+              <a:ext uri="{28A0092B-C50C-407E-A947-70E740481C1C}">
+                <a14:useLocalDpi xmlns:a14="http://schemas.microsoft.com/office/drawing/2010/main" val="0"/>
+              </a:ext>
+            </a:extLst>
+          </a:blip>
+          <a:stretch>
+            <a:fillRect/>
+          </a:stretch>
+        </p:blipFill>
+        <p:spPr>
+          <a:xfrm>
+            <a:off x="2589211" y="2549892"/>
+            <a:ext cx="5817811" cy="1690406"/>
+          </a:xfrm>
+          <a:prstGeom prst="rect">
+            <a:avLst/>
+          </a:prstGeom>
+        </p:spPr>
+      </p:pic>
+      <p:pic>
+        <p:nvPicPr>
+          <p:cNvPr id="9" name="圖片 8"/>
+          <p:cNvPicPr>
+            <a:picLocks noChangeAspect="1"/>
+          </p:cNvPicPr>
+          <p:nvPr/>
+        </p:nvPicPr>
+        <p:blipFill>
+          <a:blip r:embed="rId4">
+            <a:extLst>
+              <a:ext uri="{28A0092B-C50C-407E-A947-70E740481C1C}">
+                <a14:useLocalDpi xmlns:a14="http://schemas.microsoft.com/office/drawing/2010/main" val="0"/>
+              </a:ext>
+            </a:extLst>
+          </a:blip>
+          <a:stretch>
+            <a:fillRect/>
+          </a:stretch>
+        </p:blipFill>
+        <p:spPr>
+          <a:xfrm>
+            <a:off x="2589212" y="4240298"/>
+            <a:ext cx="5817810" cy="2420549"/>
+          </a:xfrm>
+          <a:prstGeom prst="rect">
+            <a:avLst/>
+          </a:prstGeom>
+        </p:spPr>
+      </p:pic>
+    </p:spTree>
+    <p:extLst>
+      <p:ext uri="{BB962C8B-B14F-4D97-AF65-F5344CB8AC3E}">
+        <p14:creationId xmlns:p14="http://schemas.microsoft.com/office/powerpoint/2010/main" val="284329548"/>
+      </p:ext>
+    </p:extLst>
+  </p:cSld>
+  <p:clrMapOvr>
+    <a:masterClrMapping/>
+  </p:clrMapOvr>
+</p:sld>
+</file>
+
+<file path=ppt/slides/slide15.xml><?xml version="1.0" encoding="utf-8"?>
+<p:sld xmlns:a="http://schemas.openxmlformats.org/drawingml/2006/main" xmlns:r="http://schemas.openxmlformats.org/officeDocument/2006/relationships" xmlns:p="http://schemas.openxmlformats.org/presentationml/2006/main">
+  <p:cSld>
+    <p:spTree>
+      <p:nvGrpSpPr>
+        <p:cNvPr id="1" name=""/>
+        <p:cNvGrpSpPr/>
+        <p:nvPr/>
+      </p:nvGrpSpPr>
+      <p:grpSpPr>
+        <a:xfrm>
+          <a:off x="0" y="0"/>
+          <a:ext cx="0" cy="0"/>
+          <a:chOff x="0" y="0"/>
+          <a:chExt cx="0" cy="0"/>
+        </a:xfrm>
+      </p:grpSpPr>
+      <p:sp>
+        <p:nvSpPr>
+          <p:cNvPr id="2" name="標題 1"/>
+          <p:cNvSpPr>
+            <a:spLocks noGrp="1"/>
+          </p:cNvSpPr>
+          <p:nvPr>
+            <p:ph type="title"/>
+          </p:nvPr>
+        </p:nvSpPr>
+        <p:spPr/>
+        <p:txBody>
+          <a:bodyPr/>
+          <a:lstStyle/>
+          <a:p>
+            <a:r>
+              <a:rPr lang="en-US" altLang="zh-TW" dirty="0" smtClean="0"/>
+              <a:t>Online Demo</a:t>
+            </a:r>
+            <a:endParaRPr lang="zh-TW" altLang="en-US" dirty="0"/>
+          </a:p>
+        </p:txBody>
+      </p:sp>
+      <p:sp>
+        <p:nvSpPr>
+          <p:cNvPr id="3" name="內容版面配置區 2"/>
+          <p:cNvSpPr>
+            <a:spLocks noGrp="1"/>
+          </p:cNvSpPr>
+          <p:nvPr>
+            <p:ph idx="1"/>
+          </p:nvPr>
+        </p:nvSpPr>
+        <p:spPr/>
+        <p:txBody>
+          <a:bodyPr/>
+          <a:lstStyle/>
+          <a:p>
+            <a:endParaRPr lang="zh-TW" altLang="en-US"/>
+          </a:p>
+        </p:txBody>
+      </p:sp>
+      <p:sp>
+        <p:nvSpPr>
+          <p:cNvPr id="4" name="投影片編號版面配置區 3"/>
+          <p:cNvSpPr>
+            <a:spLocks noGrp="1"/>
+          </p:cNvSpPr>
+          <p:nvPr>
+            <p:ph type="sldNum" sz="quarter" idx="12"/>
+          </p:nvPr>
+        </p:nvSpPr>
+        <p:spPr/>
+        <p:txBody>
+          <a:bodyPr/>
+          <a:lstStyle/>
+          <a:p>
+            <a:fld id="{653224D0-88C8-4D69-B6A8-DEDEB5EC659E}" type="slidenum">
+              <a:rPr lang="zh-TW" altLang="en-US" smtClean="0"/>
+              <a:t>15</a:t>
+            </a:fld>
+            <a:endParaRPr lang="zh-TW" altLang="en-US"/>
+          </a:p>
+        </p:txBody>
+      </p:sp>
+      <p:pic>
+        <p:nvPicPr>
+          <p:cNvPr id="5" name="圖片 4"/>
+          <p:cNvPicPr>
+            <a:picLocks noChangeAspect="1"/>
+          </p:cNvPicPr>
+          <p:nvPr/>
+        </p:nvPicPr>
+        <p:blipFill>
+          <a:blip r:embed="rId2" cstate="print">
+            <a:extLst>
+              <a:ext uri="{28A0092B-C50C-407E-A947-70E740481C1C}">
+                <a14:useLocalDpi xmlns:a14="http://schemas.microsoft.com/office/drawing/2010/main" val="0"/>
+              </a:ext>
+            </a:extLst>
+          </a:blip>
+          <a:stretch>
+            <a:fillRect/>
+          </a:stretch>
+        </p:blipFill>
+        <p:spPr>
+          <a:xfrm>
+            <a:off x="705821" y="1512398"/>
+            <a:ext cx="10990310" cy="5171429"/>
+          </a:xfrm>
+          <a:prstGeom prst="rect">
+            <a:avLst/>
+          </a:prstGeom>
+        </p:spPr>
+      </p:pic>
+    </p:spTree>
+    <p:extLst>
+      <p:ext uri="{BB962C8B-B14F-4D97-AF65-F5344CB8AC3E}">
+        <p14:creationId xmlns:p14="http://schemas.microsoft.com/office/powerpoint/2010/main" val="4009122790"/>
+      </p:ext>
+    </p:extLst>
+  </p:cSld>
+  <p:clrMapOvr>
+    <a:masterClrMapping/>
+  </p:clrMapOvr>
+</p:sld>
+</file>
+
 <file path=ppt/slides/slide2.xml><?xml version="1.0" encoding="utf-8"?>
 <p:sld xmlns:a="http://schemas.openxmlformats.org/drawingml/2006/main" xmlns:r="http://schemas.openxmlformats.org/officeDocument/2006/relationships" xmlns:p="http://schemas.openxmlformats.org/presentationml/2006/main">
   <p:cSld>
@@ -8289,33 +9496,55 @@
           <a:lstStyle/>
           <a:p>
             <a:r>
+              <a:rPr lang="zh-TW" altLang="en-US" dirty="0" smtClean="0"/>
+              <a:t>背景</a:t>
+            </a:r>
+            <a:r>
               <a:rPr lang="en-US" altLang="zh-TW" dirty="0" smtClean="0"/>
-              <a:t>Background</a:t>
-            </a:r>
-          </a:p>
-          <a:p>
-            <a:r>
-              <a:rPr lang="en-US" altLang="zh-TW" dirty="0" smtClean="0"/>
-              <a:t>CRF</a:t>
-            </a:r>
-          </a:p>
-          <a:p>
-            <a:r>
-              <a:rPr lang="en-US" altLang="zh-TW" dirty="0" smtClean="0"/>
-              <a:t>NER</a:t>
+              <a:t>/</a:t>
+            </a:r>
+            <a:r>
+              <a:rPr lang="zh-TW" altLang="en-US" dirty="0" smtClean="0"/>
+              <a:t>目的</a:t>
+            </a:r>
+            <a:endParaRPr lang="en-US" altLang="zh-TW" dirty="0" smtClean="0"/>
+          </a:p>
+          <a:p>
+            <a:r>
+              <a:rPr lang="zh-TW" altLang="en-US" dirty="0" smtClean="0"/>
+              <a:t>設置</a:t>
+            </a:r>
+            <a:endParaRPr lang="en-US" altLang="zh-TW" dirty="0" smtClean="0"/>
+          </a:p>
+          <a:p>
+            <a:r>
+              <a:rPr lang="zh-TW" altLang="en-US" dirty="0" smtClean="0"/>
+              <a:t>使用範例</a:t>
+            </a:r>
+            <a:endParaRPr lang="en-US" altLang="zh-TW" dirty="0" smtClean="0"/>
+          </a:p>
+          <a:p>
+            <a:r>
+              <a:rPr lang="zh-TW" altLang="en-US" dirty="0" smtClean="0"/>
+              <a:t>訓練模型</a:t>
             </a:r>
             <a:endParaRPr lang="en-US" altLang="zh-TW" dirty="0"/>
           </a:p>
           <a:p>
             <a:r>
-              <a:rPr lang="en-US" altLang="zh-TW" dirty="0" smtClean="0"/>
-              <a:t>Markus</a:t>
-            </a:r>
-          </a:p>
-          <a:p>
-            <a:r>
-              <a:rPr lang="en-US" altLang="zh-TW" dirty="0" smtClean="0"/>
-              <a:t>Conclusion</a:t>
+              <a:rPr lang="zh-TW" altLang="en-US" dirty="0" smtClean="0"/>
+              <a:t>輸出</a:t>
+            </a:r>
+            <a:endParaRPr lang="en-US" altLang="zh-TW" dirty="0" smtClean="0"/>
+          </a:p>
+          <a:p>
+            <a:r>
+              <a:rPr lang="en-US" altLang="zh-TW" smtClean="0"/>
+              <a:t>Online </a:t>
+            </a:r>
+            <a:r>
+              <a:rPr lang="en-US" altLang="zh-TW" smtClean="0"/>
+              <a:t>Demo</a:t>
             </a:r>
             <a:endParaRPr lang="en-US" altLang="zh-TW" dirty="0" smtClean="0"/>
           </a:p>
@@ -8393,10 +9622,17 @@
           <a:lstStyle/>
           <a:p>
             <a:r>
-              <a:rPr lang="en-US" altLang="zh-TW" dirty="0" smtClean="0"/>
-              <a:t>Stanford NER</a:t>
-            </a:r>
-            <a:endParaRPr lang="zh-TW" altLang="en-US" dirty="0"/>
+              <a:rPr lang="zh-TW" altLang="en-US" dirty="0"/>
+              <a:t>背景</a:t>
+            </a:r>
+            <a:r>
+              <a:rPr lang="en-US" altLang="zh-TW" dirty="0"/>
+              <a:t>/</a:t>
+            </a:r>
+            <a:r>
+              <a:rPr lang="zh-TW" altLang="en-US" dirty="0"/>
+              <a:t>目的</a:t>
+            </a:r>
           </a:p>
         </p:txBody>
       </p:sp>
@@ -8443,12 +9679,38 @@
               <a:rPr lang="zh-TW" altLang="en-US" dirty="0" smtClean="0"/>
               <a:t>下的一個計畫</a:t>
             </a:r>
-            <a:endParaRPr lang="en-US" altLang="zh-TW" dirty="0" smtClean="0"/>
+            <a:endParaRPr lang="en-US" altLang="zh-TW" dirty="0"/>
+          </a:p>
+          <a:p>
+            <a:r>
+              <a:rPr lang="en-US" altLang="zh-TW" dirty="0" smtClean="0"/>
+              <a:t>Named Entity Recognizer</a:t>
+            </a:r>
           </a:p>
           <a:p>
             <a:r>
               <a:rPr lang="zh-TW" altLang="en-US" dirty="0" smtClean="0"/>
               <a:t>用來抓出文本中的</a:t>
+            </a:r>
+            <a:r>
+              <a:rPr lang="en-US" altLang="zh-TW" dirty="0" smtClean="0"/>
+              <a:t>”</a:t>
+            </a:r>
+            <a:r>
+              <a:rPr lang="zh-TW" altLang="en-US" dirty="0" smtClean="0"/>
+              <a:t>命名實體</a:t>
+            </a:r>
+            <a:r>
+              <a:rPr lang="en-US" altLang="zh-TW" dirty="0" smtClean="0"/>
+              <a:t>”</a:t>
+            </a:r>
+            <a:r>
+              <a:rPr lang="zh-TW" altLang="en-US" dirty="0" smtClean="0"/>
+              <a:t> </a:t>
+            </a:r>
+            <a:r>
+              <a:rPr lang="en-US" altLang="zh-TW" dirty="0" smtClean="0"/>
+              <a:t>(Named Entity)</a:t>
             </a:r>
             <a:r>
               <a:rPr lang="en-US" altLang="zh-TW" dirty="0"/>
@@ -8458,19 +9720,24 @@
               <a:rPr lang="en-US" altLang="zh-TW" dirty="0"/>
             </a:br>
             <a:r>
+              <a:rPr lang="zh-TW" altLang="en-US" dirty="0" smtClean="0"/>
+              <a:t>例如 </a:t>
+            </a:r>
+            <a:r>
               <a:rPr lang="en-US" altLang="zh-TW" dirty="0" smtClean="0"/>
               <a:t>Time, Location, Organization, Person, Money, Percent, Date</a:t>
             </a:r>
-          </a:p>
-          <a:p>
             <a:endParaRPr lang="en-US" altLang="zh-TW" dirty="0"/>
           </a:p>
           <a:p>
             <a:r>
               <a:rPr lang="zh-TW" altLang="en-US" dirty="0" smtClean="0"/>
-              <a:t>英語、德語、西班牙語、中文</a:t>
-            </a:r>
-            <a:endParaRPr lang="en-US" altLang="zh-TW" dirty="0" smtClean="0"/>
+              <a:t>可下載英語、德語、西班牙語、中文之</a:t>
+            </a:r>
+            <a:r>
+              <a:rPr lang="en-US" altLang="zh-TW" dirty="0" smtClean="0"/>
+              <a:t>models</a:t>
+            </a:r>
           </a:p>
           <a:p>
             <a:r>
@@ -8672,10 +9939,17 @@
           <a:lstStyle/>
           <a:p>
             <a:r>
-              <a:rPr lang="en-US" altLang="zh-TW" dirty="0" smtClean="0"/>
-              <a:t>Stanford NER</a:t>
-            </a:r>
-            <a:endParaRPr lang="zh-TW" altLang="en-US" dirty="0"/>
+              <a:rPr lang="zh-TW" altLang="en-US" dirty="0"/>
+              <a:t>背景</a:t>
+            </a:r>
+            <a:r>
+              <a:rPr lang="en-US" altLang="zh-TW" dirty="0"/>
+              <a:t>/</a:t>
+            </a:r>
+            <a:r>
+              <a:rPr lang="zh-TW" altLang="en-US" dirty="0"/>
+              <a:t>目的</a:t>
+            </a:r>
           </a:p>
         </p:txBody>
       </p:sp>
@@ -8693,28 +9967,6 @@
         <p:txBody>
           <a:bodyPr/>
           <a:lstStyle/>
-          <a:p>
-            <a:r>
-              <a:rPr lang="en-US" altLang="zh-TW" dirty="0" smtClean="0"/>
-              <a:t>Named</a:t>
-            </a:r>
-            <a:r>
-              <a:rPr lang="zh-TW" altLang="en-US" dirty="0" smtClean="0"/>
-              <a:t> </a:t>
-            </a:r>
-            <a:r>
-              <a:rPr lang="en-US" altLang="zh-TW" dirty="0" smtClean="0"/>
-              <a:t>Entity</a:t>
-            </a:r>
-            <a:r>
-              <a:rPr lang="zh-TW" altLang="en-US" dirty="0" smtClean="0"/>
-              <a:t> </a:t>
-            </a:r>
-            <a:r>
-              <a:rPr lang="en-US" altLang="zh-TW" dirty="0" smtClean="0"/>
-              <a:t>Recognizer</a:t>
-            </a:r>
-          </a:p>
           <a:p>
             <a:r>
               <a:rPr lang="en-US" altLang="zh-TW" dirty="0" smtClean="0"/>
@@ -8779,15 +10031,12 @@
               <a:rPr lang="en-US" altLang="zh-TW" dirty="0" smtClean="0"/>
             </a:br>
             <a:r>
+              <a:rPr lang="zh-TW" altLang="en-US" dirty="0" smtClean="0"/>
+              <a:t>可利用資料來訓練模型，此訓練法將使標記與內文結構有關</a:t>
+            </a:r>
+            <a:r>
               <a:rPr lang="en-US" altLang="zh-TW" dirty="0" smtClean="0"/>
               <a:t/>
-            </a:r>
-            <a:br>
-              <a:rPr lang="en-US" altLang="zh-TW" dirty="0" smtClean="0"/>
-            </a:br>
-            <a:r>
-              <a:rPr lang="en-US" altLang="zh-TW" dirty="0" smtClean="0"/>
-              <a:t>training your own models on labeled data</a:t>
             </a:r>
             <a:br>
               <a:rPr lang="en-US" altLang="zh-TW" dirty="0" smtClean="0"/>
@@ -8902,10 +10151,9 @@
           <a:lstStyle/>
           <a:p>
             <a:r>
-              <a:rPr lang="en-US" altLang="zh-TW" dirty="0" smtClean="0"/>
-              <a:t>Stanford NER</a:t>
-            </a:r>
-            <a:endParaRPr lang="zh-TW" altLang="en-US" dirty="0"/>
+              <a:rPr lang="zh-TW" altLang="en-US" dirty="0"/>
+              <a:t>設置</a:t>
+            </a:r>
           </a:p>
         </p:txBody>
       </p:sp>
@@ -8922,26 +10170,13 @@
         <p:spPr/>
         <p:txBody>
           <a:bodyPr>
-            <a:normAutofit lnSpcReduction="10000"/>
+            <a:normAutofit fontScale="92500" lnSpcReduction="20000"/>
           </a:bodyPr>
           <a:lstStyle/>
           <a:p>
             <a:r>
               <a:rPr lang="zh-TW" altLang="en-US" dirty="0" smtClean="0"/>
               <a:t>下載</a:t>
-            </a:r>
-            <a:endParaRPr lang="en-US" altLang="zh-TW" dirty="0" smtClean="0"/>
-          </a:p>
-          <a:p>
-            <a:endParaRPr lang="en-US" altLang="zh-TW" dirty="0"/>
-          </a:p>
-          <a:p>
-            <a:endParaRPr lang="en-US" altLang="zh-TW" dirty="0" smtClean="0"/>
-          </a:p>
-          <a:p>
-            <a:r>
-              <a:rPr lang="zh-TW" altLang="en-US" dirty="0" smtClean="0"/>
-              <a:t>執行</a:t>
             </a:r>
             <a:r>
               <a:rPr lang="en-US" altLang="zh-TW" dirty="0" smtClean="0"/>
@@ -8958,6 +10193,46 @@
               <a:rPr lang="en-US" altLang="zh-TW" dirty="0" smtClean="0"/>
             </a:br>
             <a:r>
+              <a:rPr lang="en-US" altLang="zh-TW" dirty="0">
+                <a:hlinkClick r:id="rId2"/>
+              </a:rPr>
+              <a:t>http://nlp.stanford.edu/software/CRF-NER.shtml</a:t>
+            </a:r>
+            <a:endParaRPr lang="en-US" altLang="zh-TW" dirty="0" smtClean="0"/>
+          </a:p>
+          <a:p>
+            <a:endParaRPr lang="en-US" altLang="zh-TW" dirty="0"/>
+          </a:p>
+          <a:p>
+            <a:endParaRPr lang="en-US" altLang="zh-TW" dirty="0" smtClean="0"/>
+          </a:p>
+          <a:p>
+            <a:r>
+              <a:rPr lang="zh-TW" altLang="en-US" dirty="0" smtClean="0"/>
+              <a:t>執行</a:t>
+            </a:r>
+            <a:r>
+              <a:rPr lang="en-US" altLang="zh-TW" dirty="0" smtClean="0"/>
+              <a:t/>
+            </a:r>
+            <a:br>
+              <a:rPr lang="en-US" altLang="zh-TW" dirty="0" smtClean="0"/>
+            </a:br>
+            <a:r>
+              <a:rPr lang="en-US" altLang="zh-TW" dirty="0" smtClean="0"/>
+              <a:t/>
+            </a:r>
+            <a:br>
+              <a:rPr lang="en-US" altLang="zh-TW" dirty="0" smtClean="0"/>
+            </a:br>
+            <a:r>
+              <a:rPr lang="en-US" altLang="zh-TW" dirty="0" smtClean="0"/>
+              <a:t/>
+            </a:r>
+            <a:br>
+              <a:rPr lang="en-US" altLang="zh-TW" dirty="0" smtClean="0"/>
+            </a:br>
+            <a:r>
               <a:rPr lang="zh-TW" altLang="en-US" sz="1800" dirty="0" smtClean="0"/>
               <a:t>由於作業系統預設給予</a:t>
             </a:r>
@@ -9014,15 +10289,7 @@
             </a:br>
             <a:r>
               <a:rPr lang="en-US" altLang="zh-TW" sz="1800" dirty="0" smtClean="0"/>
-              <a:t>for Unix, Linux, </a:t>
-            </a:r>
-            <a:r>
-              <a:rPr lang="en-US" altLang="zh-TW" sz="1800" dirty="0" err="1" smtClean="0"/>
-              <a:t>MacOSX</a:t>
-            </a:r>
-            <a:r>
-              <a:rPr lang="en-US" altLang="zh-TW" sz="1800" dirty="0" smtClean="0"/>
-              <a:t/>
+              <a:t>for Unix, Linux, Mac OSX</a:t>
             </a:r>
             <a:br>
               <a:rPr lang="en-US" altLang="zh-TW" sz="1800" dirty="0" smtClean="0"/>
@@ -9057,36 +10324,6 @@
       <p:pic>
         <p:nvPicPr>
           <p:cNvPr id="6" name="圖片 5"/>
-          <p:cNvPicPr>
-            <a:picLocks noChangeAspect="1"/>
-          </p:cNvPicPr>
-          <p:nvPr/>
-        </p:nvPicPr>
-        <p:blipFill>
-          <a:blip r:embed="rId2">
-            <a:extLst>
-              <a:ext uri="{28A0092B-C50C-407E-A947-70E740481C1C}">
-                <a14:useLocalDpi xmlns:a14="http://schemas.microsoft.com/office/drawing/2010/main" val="0"/>
-              </a:ext>
-            </a:extLst>
-          </a:blip>
-          <a:stretch>
-            <a:fillRect/>
-          </a:stretch>
-        </p:blipFill>
-        <p:spPr>
-          <a:xfrm>
-            <a:off x="3603879" y="4718010"/>
-            <a:ext cx="3372654" cy="674530"/>
-          </a:xfrm>
-          <a:prstGeom prst="rect">
-            <a:avLst/>
-          </a:prstGeom>
-        </p:spPr>
-      </p:pic>
-      <p:pic>
-        <p:nvPicPr>
-          <p:cNvPr id="7" name="圖片 6"/>
           <p:cNvPicPr>
             <a:picLocks noChangeAspect="1"/>
           </p:cNvPicPr>
@@ -9106,8 +10343,8 @@
         </p:blipFill>
         <p:spPr>
           <a:xfrm>
-            <a:off x="3603879" y="5553884"/>
-            <a:ext cx="5427579" cy="916820"/>
+            <a:off x="5937647" y="4632943"/>
+            <a:ext cx="1896169" cy="379233"/>
           </a:xfrm>
           <a:prstGeom prst="rect">
             <a:avLst/>
@@ -9116,7 +10353,7 @@
       </p:pic>
       <p:pic>
         <p:nvPicPr>
-          <p:cNvPr id="8" name="圖片 7"/>
+          <p:cNvPr id="7" name="圖片 6"/>
           <p:cNvPicPr>
             <a:picLocks noChangeAspect="1"/>
           </p:cNvPicPr>
@@ -9136,7 +10373,37 @@
         </p:blipFill>
         <p:spPr>
           <a:xfrm>
-            <a:off x="2955353" y="2588710"/>
+            <a:off x="5937647" y="5024618"/>
+            <a:ext cx="3151762" cy="532392"/>
+          </a:xfrm>
+          <a:prstGeom prst="rect">
+            <a:avLst/>
+          </a:prstGeom>
+        </p:spPr>
+      </p:pic>
+      <p:pic>
+        <p:nvPicPr>
+          <p:cNvPr id="8" name="圖片 7"/>
+          <p:cNvPicPr>
+            <a:picLocks noChangeAspect="1"/>
+          </p:cNvPicPr>
+          <p:nvPr/>
+        </p:nvPicPr>
+        <p:blipFill>
+          <a:blip r:embed="rId5">
+            <a:extLst>
+              <a:ext uri="{28A0092B-C50C-407E-A947-70E740481C1C}">
+                <a14:useLocalDpi xmlns:a14="http://schemas.microsoft.com/office/drawing/2010/main" val="0"/>
+              </a:ext>
+            </a:extLst>
+          </a:blip>
+          <a:stretch>
+            <a:fillRect/>
+          </a:stretch>
+        </p:blipFill>
+        <p:spPr>
+          <a:xfrm>
+            <a:off x="2955353" y="2950372"/>
             <a:ext cx="8183117" cy="419158"/>
           </a:xfrm>
           <a:prstGeom prst="rect">
@@ -9190,10 +10457,9 @@
           <a:lstStyle/>
           <a:p>
             <a:r>
-              <a:rPr lang="en-US" altLang="zh-TW" dirty="0" smtClean="0"/>
-              <a:t>Stanford NER</a:t>
-            </a:r>
-            <a:endParaRPr lang="zh-TW" altLang="en-US" dirty="0"/>
+              <a:rPr lang="zh-TW" altLang="en-US" dirty="0"/>
+              <a:t>設置</a:t>
+            </a:r>
           </a:p>
         </p:txBody>
       </p:sp>
@@ -9248,7 +10514,37 @@
             </a:r>
             <a:r>
               <a:rPr lang="zh-TW" altLang="en-US" sz="1800" dirty="0" smtClean="0"/>
-              <a:t>，可下載其他語言的</a:t>
+              <a:t>，可</a:t>
+            </a:r>
+            <a:r>
+              <a:rPr lang="zh-TW" altLang="en-US" dirty="0" smtClean="0"/>
+              <a:t>在</a:t>
+            </a:r>
+            <a:r>
+              <a:rPr lang="en-US" altLang="zh-TW" dirty="0">
+                <a:solidFill>
+                  <a:schemeClr val="accent2">
+                    <a:lumMod val="50000"/>
+                  </a:schemeClr>
+                </a:solidFill>
+                <a:hlinkClick r:id="rId2"/>
+              </a:rPr>
+              <a:t>M</a:t>
+            </a:r>
+            <a:r>
+              <a:rPr lang="en-US" altLang="zh-TW" dirty="0" smtClean="0">
+                <a:solidFill>
+                  <a:schemeClr val="accent2">
+                    <a:lumMod val="50000"/>
+                  </a:schemeClr>
+                </a:solidFill>
+                <a:hlinkClick r:id="rId2"/>
+              </a:rPr>
+              <a:t>odels</a:t>
+            </a:r>
+            <a:r>
+              <a:rPr lang="zh-TW" altLang="en-US" sz="1800" dirty="0" smtClean="0"/>
+              <a:t>下載其他語言的</a:t>
             </a:r>
             <a:r>
               <a:rPr lang="en-US" altLang="zh-TW" sz="1800" dirty="0" smtClean="0"/>
@@ -9275,7 +10571,19 @@
             </a:r>
             <a:r>
               <a:rPr lang="zh-TW" altLang="en-US" sz="1800" dirty="0" smtClean="0"/>
-              <a:t>資料夾，裡面的即為該</a:t>
+              <a:t>資料夾，裡面的</a:t>
+            </a:r>
+            <a:r>
+              <a:rPr lang="en-US" altLang="zh-TW" sz="1800" dirty="0" smtClean="0"/>
+              <a:t>.</a:t>
+            </a:r>
+            <a:r>
+              <a:rPr lang="en-US" altLang="zh-TW" sz="1800" dirty="0" err="1" smtClean="0"/>
+              <a:t>gz</a:t>
+            </a:r>
+            <a:r>
+              <a:rPr lang="zh-TW" altLang="en-US" sz="1800" dirty="0" smtClean="0"/>
+              <a:t>檔案即為該</a:t>
             </a:r>
             <a:r>
               <a:rPr lang="zh-TW" altLang="en-US" sz="1800" dirty="0"/>
@@ -9289,8 +10597,9 @@
               <a:rPr lang="en-US" altLang="zh-TW" sz="1800" dirty="0" smtClean="0"/>
               <a:t>model</a:t>
             </a:r>
-          </a:p>
-          <a:p>
+            <a:br>
+              <a:rPr lang="en-US" altLang="zh-TW" sz="1800" dirty="0" smtClean="0"/>
+            </a:br>
             <a:endParaRPr lang="en-US" altLang="zh-TW" sz="1800" dirty="0"/>
           </a:p>
           <a:p>
@@ -9326,33 +10635,25 @@
             </a:r>
             <a:r>
               <a:rPr lang="en-US" altLang="zh-TW" sz="1800" dirty="0" smtClean="0">
-                <a:hlinkClick r:id="rId2"/>
+                <a:hlinkClick r:id="rId3"/>
               </a:rPr>
               <a:t>Stanford </a:t>
             </a:r>
             <a:r>
               <a:rPr lang="en-US" altLang="zh-TW" sz="1800" dirty="0">
-                <a:hlinkClick r:id="rId2"/>
+                <a:hlinkClick r:id="rId3"/>
               </a:rPr>
               <a:t>Word </a:t>
             </a:r>
             <a:r>
               <a:rPr lang="en-US" altLang="zh-TW" sz="1800" dirty="0" err="1" smtClean="0">
-                <a:hlinkClick r:id="rId2"/>
+                <a:hlinkClick r:id="rId3"/>
               </a:rPr>
               <a:t>Segmenter</a:t>
             </a:r>
             <a:r>
               <a:rPr lang="zh-TW" altLang="en-US" sz="1800" dirty="0" smtClean="0"/>
-              <a:t>或是其他支援中文的</a:t>
-            </a:r>
-            <a:r>
-              <a:rPr lang="en-US" altLang="zh-TW" sz="1800" dirty="0" err="1" smtClean="0"/>
-              <a:t>segmenter</a:t>
-            </a:r>
-            <a:r>
-              <a:rPr lang="zh-TW" altLang="en-US" sz="1800" dirty="0" smtClean="0"/>
-              <a:t>先做斷詞，再執行</a:t>
+              <a:t>或是其他支援中文的斷詞系統先做斷詞，再執行</a:t>
             </a:r>
             <a:r>
               <a:rPr lang="en-US" altLang="zh-TW" sz="1800" dirty="0" smtClean="0"/>
@@ -9395,6 +10696,13 @@
   <p:clrMapOvr>
     <a:masterClrMapping/>
   </p:clrMapOvr>
+  <p:timing>
+    <p:tnLst>
+      <p:par>
+        <p:cTn id="1" dur="indefinite" restart="never" nodeType="tmRoot"/>
+      </p:par>
+    </p:tnLst>
+  </p:timing>
 </p:sld>
 </file>
 
@@ -9430,7 +10738,11 @@
           <a:bodyPr/>
           <a:lstStyle/>
           <a:p>
-            <a:endParaRPr lang="zh-TW" altLang="en-US"/>
+            <a:r>
+              <a:rPr lang="zh-TW" altLang="en-US" dirty="0" smtClean="0"/>
+              <a:t>使用範例</a:t>
+            </a:r>
+            <a:endParaRPr lang="zh-TW" altLang="en-US" dirty="0"/>
           </a:p>
         </p:txBody>
       </p:sp>
@@ -9441,7 +10753,7 @@
             <a:spLocks noGrp="1"/>
           </p:cNvSpPr>
           <p:nvPr>
-            <p:ph idx="1"/>
+            <p:ph sz="half" idx="1"/>
           </p:nvPr>
         </p:nvSpPr>
         <p:spPr/>
@@ -9449,7 +10761,53 @@
           <a:bodyPr/>
           <a:lstStyle/>
           <a:p>
-            <a:endParaRPr lang="zh-TW" altLang="en-US"/>
+            <a:r>
+              <a:rPr lang="zh-TW" altLang="en-US" dirty="0" smtClean="0"/>
+              <a:t>讀取</a:t>
+            </a:r>
+            <a:r>
+              <a:rPr lang="en-US" altLang="zh-TW" dirty="0" smtClean="0"/>
+              <a:t>model</a:t>
+            </a:r>
+            <a:r>
+              <a:rPr lang="en-US" altLang="zh-TW" dirty="0" smtClean="0"/>
+              <a:t>(.gz</a:t>
+            </a:r>
+            <a:r>
+              <a:rPr lang="zh-TW" altLang="en-US" dirty="0" smtClean="0"/>
+              <a:t>檔案</a:t>
+            </a:r>
+            <a:r>
+              <a:rPr lang="en-US" altLang="zh-TW" dirty="0" smtClean="0"/>
+              <a:t>)</a:t>
+            </a:r>
+            <a:br>
+              <a:rPr lang="en-US" altLang="zh-TW" dirty="0" smtClean="0"/>
+            </a:br>
+            <a:endParaRPr lang="zh-TW" altLang="en-US" dirty="0"/>
+          </a:p>
+        </p:txBody>
+      </p:sp>
+      <p:sp>
+        <p:nvSpPr>
+          <p:cNvPr id="6" name="內容版面配置區 5"/>
+          <p:cNvSpPr>
+            <a:spLocks noGrp="1"/>
+          </p:cNvSpPr>
+          <p:nvPr>
+            <p:ph sz="half" idx="2"/>
+          </p:nvPr>
+        </p:nvSpPr>
+        <p:spPr/>
+        <p:txBody>
+          <a:bodyPr/>
+          <a:lstStyle/>
+          <a:p>
+            <a:r>
+              <a:rPr lang="zh-TW" altLang="en-US" dirty="0" smtClean="0"/>
+              <a:t>填入內文</a:t>
+            </a:r>
+            <a:endParaRPr lang="zh-TW" altLang="en-US" dirty="0"/>
           </a:p>
         </p:txBody>
       </p:sp>
@@ -9476,16 +10834,143 @@
           </a:p>
         </p:txBody>
       </p:sp>
+      <p:pic>
+        <p:nvPicPr>
+          <p:cNvPr id="9" name="圖片 8"/>
+          <p:cNvPicPr>
+            <a:picLocks noChangeAspect="1"/>
+          </p:cNvPicPr>
+          <p:nvPr/>
+        </p:nvPicPr>
+        <p:blipFill>
+          <a:blip r:embed="rId2">
+            <a:extLst>
+              <a:ext uri="{28A0092B-C50C-407E-A947-70E740481C1C}">
+                <a14:useLocalDpi xmlns:a14="http://schemas.microsoft.com/office/drawing/2010/main" val="0"/>
+              </a:ext>
+            </a:extLst>
+          </a:blip>
+          <a:stretch>
+            <a:fillRect/>
+          </a:stretch>
+        </p:blipFill>
+        <p:spPr>
+          <a:xfrm>
+            <a:off x="2517774" y="2587690"/>
+            <a:ext cx="3019425" cy="1257300"/>
+          </a:xfrm>
+          <a:prstGeom prst="rect">
+            <a:avLst/>
+          </a:prstGeom>
+        </p:spPr>
+      </p:pic>
+      <p:pic>
+        <p:nvPicPr>
+          <p:cNvPr id="11" name="圖片 10"/>
+          <p:cNvPicPr>
+            <a:picLocks noChangeAspect="1"/>
+          </p:cNvPicPr>
+          <p:nvPr/>
+        </p:nvPicPr>
+        <p:blipFill>
+          <a:blip r:embed="rId3">
+            <a:extLst>
+              <a:ext uri="{28A0092B-C50C-407E-A947-70E740481C1C}">
+                <a14:useLocalDpi xmlns:a14="http://schemas.microsoft.com/office/drawing/2010/main" val="0"/>
+              </a:ext>
+            </a:extLst>
+          </a:blip>
+          <a:stretch>
+            <a:fillRect/>
+          </a:stretch>
+        </p:blipFill>
+        <p:spPr>
+          <a:xfrm>
+            <a:off x="2513973" y="4022411"/>
+            <a:ext cx="3908454" cy="2117411"/>
+          </a:xfrm>
+          <a:prstGeom prst="rect">
+            <a:avLst/>
+          </a:prstGeom>
+        </p:spPr>
+      </p:pic>
+      <p:pic>
+        <p:nvPicPr>
+          <p:cNvPr id="12" name="圖片 11"/>
+          <p:cNvPicPr>
+            <a:picLocks noChangeAspect="1"/>
+          </p:cNvPicPr>
+          <p:nvPr/>
+        </p:nvPicPr>
+        <p:blipFill>
+          <a:blip r:embed="rId4">
+            <a:extLst>
+              <a:ext uri="{28A0092B-C50C-407E-A947-70E740481C1C}">
+                <a14:useLocalDpi xmlns:a14="http://schemas.microsoft.com/office/drawing/2010/main" val="0"/>
+              </a:ext>
+            </a:extLst>
+          </a:blip>
+          <a:stretch>
+            <a:fillRect/>
+          </a:stretch>
+        </p:blipFill>
+        <p:spPr>
+          <a:xfrm>
+            <a:off x="7190747" y="2587690"/>
+            <a:ext cx="3534268" cy="3839111"/>
+          </a:xfrm>
+          <a:prstGeom prst="rect">
+            <a:avLst/>
+          </a:prstGeom>
+        </p:spPr>
+      </p:pic>
+      <p:pic>
+        <p:nvPicPr>
+          <p:cNvPr id="10" name="圖片 9"/>
+          <p:cNvPicPr>
+            <a:picLocks noChangeAspect="1"/>
+          </p:cNvPicPr>
+          <p:nvPr/>
+        </p:nvPicPr>
+        <p:blipFill>
+          <a:blip r:embed="rId5">
+            <a:extLst>
+              <a:ext uri="{28A0092B-C50C-407E-A947-70E740481C1C}">
+                <a14:useLocalDpi xmlns:a14="http://schemas.microsoft.com/office/drawing/2010/main" val="0"/>
+              </a:ext>
+            </a:extLst>
+          </a:blip>
+          <a:stretch>
+            <a:fillRect/>
+          </a:stretch>
+        </p:blipFill>
+        <p:spPr>
+          <a:xfrm>
+            <a:off x="4746144" y="885322"/>
+            <a:ext cx="1896169" cy="379233"/>
+          </a:xfrm>
+          <a:prstGeom prst="rect">
+            <a:avLst/>
+          </a:prstGeom>
+        </p:spPr>
+      </p:pic>
     </p:spTree>
     <p:extLst>
       <p:ext uri="{BB962C8B-B14F-4D97-AF65-F5344CB8AC3E}">
-        <p14:creationId xmlns:p14="http://schemas.microsoft.com/office/powerpoint/2010/main" val="3201959517"/>
+        <p14:creationId xmlns:p14="http://schemas.microsoft.com/office/powerpoint/2010/main" val="1183241628"/>
       </p:ext>
     </p:extLst>
   </p:cSld>
   <p:clrMapOvr>
     <a:masterClrMapping/>
   </p:clrMapOvr>
+  <p:timing>
+    <p:tnLst>
+      <p:par>
+        <p:cTn id="1" dur="indefinite" restart="never" nodeType="tmRoot"/>
+      </p:par>
+    </p:tnLst>
+  </p:timing>
 </p:sld>
 </file>
 
@@ -9522,44 +11007,32 @@
           <a:lstStyle/>
           <a:p>
             <a:r>
-              <a:rPr lang="en-US" altLang="zh-TW" dirty="0" smtClean="0"/>
-              <a:t>Stanford</a:t>
-            </a:r>
-            <a:r>
               <a:rPr lang="zh-TW" altLang="en-US" dirty="0" smtClean="0"/>
-              <a:t> </a:t>
-            </a:r>
-            <a:r>
-              <a:rPr lang="en-US" altLang="zh-TW" dirty="0" smtClean="0"/>
-              <a:t>NLP</a:t>
-            </a:r>
+              <a:t>使用範例</a:t>
+            </a:r>
+            <a:endParaRPr lang="zh-TW" altLang="en-US" dirty="0"/>
+          </a:p>
+        </p:txBody>
+      </p:sp>
+      <p:sp>
+        <p:nvSpPr>
+          <p:cNvPr id="3" name="內容版面配置區 2"/>
+          <p:cNvSpPr>
+            <a:spLocks noGrp="1"/>
+          </p:cNvSpPr>
+          <p:nvPr>
+            <p:ph idx="1"/>
+          </p:nvPr>
+        </p:nvSpPr>
+        <p:spPr/>
+        <p:txBody>
+          <a:bodyPr/>
+          <a:lstStyle/>
+          <a:p>
             <a:r>
               <a:rPr lang="zh-TW" altLang="en-US" dirty="0" smtClean="0"/>
-              <a:t> </a:t>
-            </a:r>
-            <a:r>
-              <a:rPr lang="en-US" altLang="zh-TW" dirty="0" smtClean="0"/>
-              <a:t>Group</a:t>
-            </a:r>
-            <a:endParaRPr lang="zh-TW" altLang="en-US" dirty="0"/>
-          </a:p>
-        </p:txBody>
-      </p:sp>
-      <p:sp>
-        <p:nvSpPr>
-          <p:cNvPr id="3" name="內容版面配置區 2"/>
-          <p:cNvSpPr>
-            <a:spLocks noGrp="1"/>
-          </p:cNvSpPr>
-          <p:nvPr>
-            <p:ph idx="1"/>
-          </p:nvPr>
-        </p:nvSpPr>
-        <p:spPr/>
-        <p:txBody>
-          <a:bodyPr/>
-          <a:lstStyle/>
-          <a:p>
+              <a:t>英文</a:t>
+            </a:r>
             <a:endParaRPr lang="zh-TW" altLang="en-US" dirty="0"/>
           </a:p>
         </p:txBody>
@@ -9587,16 +11060,192 @@
           </a:p>
         </p:txBody>
       </p:sp>
+      <p:pic>
+        <p:nvPicPr>
+          <p:cNvPr id="5" name="內容版面配置區 4"/>
+          <p:cNvPicPr>
+            <a:picLocks noChangeAspect="1"/>
+          </p:cNvPicPr>
+          <p:nvPr/>
+        </p:nvPicPr>
+        <p:blipFill>
+          <a:blip r:embed="rId2">
+            <a:extLst>
+              <a:ext uri="{28A0092B-C50C-407E-A947-70E740481C1C}">
+                <a14:useLocalDpi xmlns:a14="http://schemas.microsoft.com/office/drawing/2010/main" val="0"/>
+              </a:ext>
+            </a:extLst>
+          </a:blip>
+          <a:stretch>
+            <a:fillRect/>
+          </a:stretch>
+        </p:blipFill>
+        <p:spPr>
+          <a:xfrm>
+            <a:off x="4939889" y="1264555"/>
+            <a:ext cx="6564723" cy="5591057"/>
+          </a:xfrm>
+          <a:prstGeom prst="rect">
+            <a:avLst/>
+          </a:prstGeom>
+        </p:spPr>
+      </p:pic>
     </p:spTree>
     <p:extLst>
       <p:ext uri="{BB962C8B-B14F-4D97-AF65-F5344CB8AC3E}">
-        <p14:creationId xmlns:p14="http://schemas.microsoft.com/office/powerpoint/2010/main" val="2150617075"/>
+        <p14:creationId xmlns:p14="http://schemas.microsoft.com/office/powerpoint/2010/main" val="709440996"/>
       </p:ext>
     </p:extLst>
   </p:cSld>
   <p:clrMapOvr>
     <a:masterClrMapping/>
   </p:clrMapOvr>
+  <p:timing>
+    <p:tnLst>
+      <p:par>
+        <p:cTn id="1" dur="indefinite" restart="never" nodeType="tmRoot"/>
+      </p:par>
+    </p:tnLst>
+  </p:timing>
+</p:sld>
+</file>
+
+<file path=ppt/slides/slide9.xml><?xml version="1.0" encoding="utf-8"?>
+<p:sld xmlns:a="http://schemas.openxmlformats.org/drawingml/2006/main" xmlns:r="http://schemas.openxmlformats.org/officeDocument/2006/relationships" xmlns:p="http://schemas.openxmlformats.org/presentationml/2006/main">
+  <p:cSld>
+    <p:spTree>
+      <p:nvGrpSpPr>
+        <p:cNvPr id="1" name=""/>
+        <p:cNvGrpSpPr/>
+        <p:nvPr/>
+      </p:nvGrpSpPr>
+      <p:grpSpPr>
+        <a:xfrm>
+          <a:off x="0" y="0"/>
+          <a:ext cx="0" cy="0"/>
+          <a:chOff x="0" y="0"/>
+          <a:chExt cx="0" cy="0"/>
+        </a:xfrm>
+      </p:grpSpPr>
+      <p:sp>
+        <p:nvSpPr>
+          <p:cNvPr id="2" name="標題 1"/>
+          <p:cNvSpPr>
+            <a:spLocks noGrp="1"/>
+          </p:cNvSpPr>
+          <p:nvPr>
+            <p:ph type="title"/>
+          </p:nvPr>
+        </p:nvSpPr>
+        <p:spPr/>
+        <p:txBody>
+          <a:bodyPr/>
+          <a:lstStyle/>
+          <a:p>
+            <a:r>
+              <a:rPr lang="zh-TW" altLang="en-US" dirty="0" smtClean="0"/>
+              <a:t>使用範例</a:t>
+            </a:r>
+            <a:endParaRPr lang="zh-TW" altLang="en-US" dirty="0"/>
+          </a:p>
+        </p:txBody>
+      </p:sp>
+      <p:sp>
+        <p:nvSpPr>
+          <p:cNvPr id="3" name="內容版面配置區 2"/>
+          <p:cNvSpPr>
+            <a:spLocks noGrp="1"/>
+          </p:cNvSpPr>
+          <p:nvPr>
+            <p:ph idx="1"/>
+          </p:nvPr>
+        </p:nvSpPr>
+        <p:spPr/>
+        <p:txBody>
+          <a:bodyPr/>
+          <a:lstStyle/>
+          <a:p>
+            <a:r>
+              <a:rPr lang="zh-TW" altLang="en-US" dirty="0" smtClean="0"/>
+              <a:t>中</a:t>
+            </a:r>
+            <a:r>
+              <a:rPr lang="zh-TW" altLang="en-US" dirty="0"/>
+              <a:t>文</a:t>
+            </a:r>
+          </a:p>
+        </p:txBody>
+      </p:sp>
+      <p:sp>
+        <p:nvSpPr>
+          <p:cNvPr id="4" name="投影片編號版面配置區 3"/>
+          <p:cNvSpPr>
+            <a:spLocks noGrp="1"/>
+          </p:cNvSpPr>
+          <p:nvPr>
+            <p:ph type="sldNum" sz="quarter" idx="12"/>
+          </p:nvPr>
+        </p:nvSpPr>
+        <p:spPr/>
+        <p:txBody>
+          <a:bodyPr/>
+          <a:lstStyle/>
+          <a:p>
+            <a:fld id="{653224D0-88C8-4D69-B6A8-DEDEB5EC659E}" type="slidenum">
+              <a:rPr lang="zh-TW" altLang="en-US" smtClean="0"/>
+              <a:t>9</a:t>
+            </a:fld>
+            <a:endParaRPr lang="zh-TW" altLang="en-US"/>
+          </a:p>
+        </p:txBody>
+      </p:sp>
+      <p:pic>
+        <p:nvPicPr>
+          <p:cNvPr id="5" name="內容版面配置區 4"/>
+          <p:cNvPicPr>
+            <a:picLocks noChangeAspect="1"/>
+          </p:cNvPicPr>
+          <p:nvPr/>
+        </p:nvPicPr>
+        <p:blipFill>
+          <a:blip r:embed="rId2">
+            <a:extLst>
+              <a:ext uri="{28A0092B-C50C-407E-A947-70E740481C1C}">
+                <a14:useLocalDpi xmlns:a14="http://schemas.microsoft.com/office/drawing/2010/main" val="0"/>
+              </a:ext>
+            </a:extLst>
+          </a:blip>
+          <a:stretch>
+            <a:fillRect/>
+          </a:stretch>
+        </p:blipFill>
+        <p:spPr>
+          <a:xfrm>
+            <a:off x="4939889" y="1264555"/>
+            <a:ext cx="6564723" cy="5591057"/>
+          </a:xfrm>
+          <a:prstGeom prst="rect">
+            <a:avLst/>
+          </a:prstGeom>
+        </p:spPr>
+      </p:pic>
+    </p:spTree>
+    <p:extLst>
+      <p:ext uri="{BB962C8B-B14F-4D97-AF65-F5344CB8AC3E}">
+        <p14:creationId xmlns:p14="http://schemas.microsoft.com/office/powerpoint/2010/main" val="749348347"/>
+      </p:ext>
+    </p:extLst>
+  </p:cSld>
+  <p:clrMapOvr>
+    <a:masterClrMapping/>
+  </p:clrMapOvr>
+  <p:timing>
+    <p:tnLst>
+      <p:par>
+        <p:cTn id="1" dur="indefinite" restart="never" nodeType="tmRoot"/>
+      </p:par>
+    </p:tnLst>
+  </p:timing>
 </p:sld>
 </file>
 

--- a/stanford ner.pptx
+++ b/stanford ner.pptx
@@ -234,7 +234,7 @@
           <a:p>
             <a:fld id="{B55E147C-AA65-447C-BCCD-710E39FCD46C}" type="datetimeFigureOut">
               <a:rPr lang="zh-TW" altLang="en-US" smtClean="0"/>
-              <a:t>2015/9/29</a:t>
+              <a:t>2015/10/17</a:t>
             </a:fld>
             <a:endParaRPr lang="zh-TW" altLang="en-US"/>
           </a:p>
@@ -774,7 +774,7 @@
           <a:p>
             <a:fld id="{F01B79FB-98E9-4AD9-8781-61BCFFDB0F2B}" type="datetime1">
               <a:rPr lang="zh-TW" altLang="en-US" smtClean="0"/>
-              <a:t>2015/9/29</a:t>
+              <a:t>2015/10/17</a:t>
             </a:fld>
             <a:endParaRPr lang="zh-TW" altLang="en-US"/>
           </a:p>
@@ -1112,7 +1112,7 @@
           <a:p>
             <a:fld id="{48F6D734-9D98-4A98-9E19-7EFE4887E21E}" type="datetime1">
               <a:rPr lang="zh-TW" altLang="en-US" smtClean="0"/>
-              <a:t>2015/9/29</a:t>
+              <a:t>2015/10/17</a:t>
             </a:fld>
             <a:endParaRPr lang="zh-TW" altLang="en-US"/>
           </a:p>
@@ -1514,7 +1514,7 @@
           <a:p>
             <a:fld id="{48F6D734-9D98-4A98-9E19-7EFE4887E21E}" type="datetime1">
               <a:rPr lang="zh-TW" altLang="en-US" smtClean="0"/>
-              <a:t>2015/9/29</a:t>
+              <a:t>2015/10/17</a:t>
             </a:fld>
             <a:endParaRPr lang="zh-TW" altLang="en-US"/>
           </a:p>
@@ -1851,7 +1851,7 @@
           <a:p>
             <a:fld id="{48F6D734-9D98-4A98-9E19-7EFE4887E21E}" type="datetime1">
               <a:rPr lang="zh-TW" altLang="en-US" smtClean="0"/>
-              <a:t>2015/9/29</a:t>
+              <a:t>2015/10/17</a:t>
             </a:fld>
             <a:endParaRPr lang="zh-TW" altLang="en-US"/>
           </a:p>
@@ -2172,7 +2172,7 @@
           <a:p>
             <a:fld id="{48F6D734-9D98-4A98-9E19-7EFE4887E21E}" type="datetime1">
               <a:rPr lang="zh-TW" altLang="en-US" smtClean="0"/>
-              <a:t>2015/9/29</a:t>
+              <a:t>2015/10/17</a:t>
             </a:fld>
             <a:endParaRPr lang="zh-TW" altLang="en-US"/>
           </a:p>
@@ -2569,7 +2569,7 @@
           <a:p>
             <a:fld id="{48F6D734-9D98-4A98-9E19-7EFE4887E21E}" type="datetime1">
               <a:rPr lang="zh-TW" altLang="en-US" smtClean="0"/>
-              <a:t>2015/9/29</a:t>
+              <a:t>2015/10/17</a:t>
             </a:fld>
             <a:endParaRPr lang="zh-TW" altLang="en-US"/>
           </a:p>
@@ -2827,7 +2827,7 @@
           <a:p>
             <a:fld id="{A392B7C8-D3B0-4F18-A8D4-75C71B18EA40}" type="datetime1">
               <a:rPr lang="zh-TW" altLang="en-US" smtClean="0"/>
-              <a:t>2015/9/29</a:t>
+              <a:t>2015/10/17</a:t>
             </a:fld>
             <a:endParaRPr lang="zh-TW" altLang="en-US"/>
           </a:p>
@@ -3089,7 +3089,7 @@
           <a:p>
             <a:fld id="{31781033-5BA3-4324-B74D-6A919A75A912}" type="datetime1">
               <a:rPr lang="zh-TW" altLang="en-US" smtClean="0"/>
-              <a:t>2015/9/29</a:t>
+              <a:t>2015/10/17</a:t>
             </a:fld>
             <a:endParaRPr lang="zh-TW" altLang="en-US"/>
           </a:p>
@@ -3351,7 +3351,7 @@
           <a:p>
             <a:fld id="{2F587E1E-63B5-4774-A6C1-143684EEA6E9}" type="datetime1">
               <a:rPr lang="zh-TW" altLang="en-US" smtClean="0"/>
-              <a:t>2015/9/29</a:t>
+              <a:t>2015/10/17</a:t>
             </a:fld>
             <a:endParaRPr lang="zh-TW" altLang="en-US"/>
           </a:p>
@@ -3680,7 +3680,7 @@
           <a:p>
             <a:fld id="{08ABFA8D-7D66-4BBB-9CCA-A43ADC3CE071}" type="datetime1">
               <a:rPr lang="zh-TW" altLang="en-US" smtClean="0"/>
-              <a:t>2015/9/29</a:t>
+              <a:t>2015/10/17</a:t>
             </a:fld>
             <a:endParaRPr lang="zh-TW" altLang="en-US"/>
           </a:p>
@@ -4003,7 +4003,7 @@
           <a:p>
             <a:fld id="{D9589BFA-65BF-47B9-A6B1-AC47F0EAA4EC}" type="datetime1">
               <a:rPr lang="zh-TW" altLang="en-US" smtClean="0"/>
-              <a:t>2015/9/29</a:t>
+              <a:t>2015/10/17</a:t>
             </a:fld>
             <a:endParaRPr lang="zh-TW" altLang="en-US"/>
           </a:p>
@@ -4460,7 +4460,7 @@
           <a:p>
             <a:fld id="{63B0F399-DE5D-49AD-BE92-77F3B0F9BA5C}" type="datetime1">
               <a:rPr lang="zh-TW" altLang="en-US" smtClean="0"/>
-              <a:t>2015/9/29</a:t>
+              <a:t>2015/10/17</a:t>
             </a:fld>
             <a:endParaRPr lang="zh-TW" altLang="en-US"/>
           </a:p>
@@ -4665,7 +4665,7 @@
           <a:p>
             <a:fld id="{5849889D-0216-4203-98A5-C5F48ADB5624}" type="datetime1">
               <a:rPr lang="zh-TW" altLang="en-US" smtClean="0"/>
-              <a:t>2015/9/29</a:t>
+              <a:t>2015/10/17</a:t>
             </a:fld>
             <a:endParaRPr lang="zh-TW" altLang="en-US"/>
           </a:p>
@@ -4842,7 +4842,7 @@
           <a:p>
             <a:fld id="{9F424B6A-8A84-4C73-BDF9-7B93CE48E34B}" type="datetime1">
               <a:rPr lang="zh-TW" altLang="en-US" smtClean="0"/>
-              <a:t>2015/9/29</a:t>
+              <a:t>2015/10/17</a:t>
             </a:fld>
             <a:endParaRPr lang="zh-TW" altLang="en-US"/>
           </a:p>
@@ -5175,7 +5175,7 @@
           <a:p>
             <a:fld id="{E84AF2F8-E4D9-4F01-8794-FDA7E11747D1}" type="datetime1">
               <a:rPr lang="zh-TW" altLang="en-US" smtClean="0"/>
-              <a:t>2015/9/29</a:t>
+              <a:t>2015/10/17</a:t>
             </a:fld>
             <a:endParaRPr lang="zh-TW" altLang="en-US"/>
           </a:p>
@@ -5520,7 +5520,7 @@
           <a:p>
             <a:fld id="{D74AB1E1-999B-45CB-88E7-E767B1437E4B}" type="datetime1">
               <a:rPr lang="zh-TW" altLang="en-US" smtClean="0"/>
-              <a:t>2015/9/29</a:t>
+              <a:t>2015/10/17</a:t>
             </a:fld>
             <a:endParaRPr lang="zh-TW" altLang="en-US"/>
           </a:p>
@@ -7637,7 +7637,7 @@
           <a:p>
             <a:fld id="{48F6D734-9D98-4A98-9E19-7EFE4887E21E}" type="datetime1">
               <a:rPr lang="zh-TW" altLang="en-US" smtClean="0"/>
-              <a:t>2015/9/29</a:t>
+              <a:t>2015/10/17</a:t>
             </a:fld>
             <a:endParaRPr lang="zh-TW" altLang="en-US"/>
           </a:p>
@@ -9264,7 +9264,7 @@
         </p:blipFill>
         <p:spPr>
           <a:xfrm>
-            <a:off x="2589211" y="2549892"/>
+            <a:off x="3517259" y="2549892"/>
             <a:ext cx="5817811" cy="1690406"/>
           </a:xfrm>
           <a:prstGeom prst="rect">
@@ -9294,7 +9294,7 @@
         </p:blipFill>
         <p:spPr>
           <a:xfrm>
-            <a:off x="2589212" y="4240298"/>
+            <a:off x="3517259" y="4240298"/>
             <a:ext cx="5817810" cy="2420549"/>
           </a:xfrm>
           <a:prstGeom prst="rect">
@@ -9540,11 +9540,7 @@
           <a:p>
             <a:r>
               <a:rPr lang="en-US" altLang="zh-TW" smtClean="0"/>
-              <a:t>Online </a:t>
-            </a:r>
-            <a:r>
-              <a:rPr lang="en-US" altLang="zh-TW" smtClean="0"/>
-              <a:t>Demo</a:t>
+              <a:t>Online Demo</a:t>
             </a:r>
             <a:endParaRPr lang="en-US" altLang="zh-TW" dirty="0" smtClean="0"/>
           </a:p>
@@ -10767,11 +10763,7 @@
             </a:r>
             <a:r>
               <a:rPr lang="en-US" altLang="zh-TW" dirty="0" smtClean="0"/>
-              <a:t>model</a:t>
-            </a:r>
-            <a:r>
-              <a:rPr lang="en-US" altLang="zh-TW" dirty="0" smtClean="0"/>
-              <a:t>(.gz</a:t>
+              <a:t>model(.gz</a:t>
             </a:r>
             <a:r>
               <a:rPr lang="zh-TW" altLang="en-US" dirty="0" smtClean="0"/>
@@ -11201,7 +11193,7 @@
       </p:sp>
       <p:pic>
         <p:nvPicPr>
-          <p:cNvPr id="5" name="內容版面配置區 4"/>
+          <p:cNvPr id="6" name="圖片 5"/>
           <p:cNvPicPr>
             <a:picLocks noChangeAspect="1"/>
           </p:cNvPicPr>
@@ -11221,8 +11213,38 @@
         </p:blipFill>
         <p:spPr>
           <a:xfrm>
-            <a:off x="4939889" y="1264555"/>
-            <a:ext cx="6564723" cy="5591057"/>
+            <a:off x="6979606" y="2571471"/>
+            <a:ext cx="4525006" cy="4001058"/>
+          </a:xfrm>
+          <a:prstGeom prst="rect">
+            <a:avLst/>
+          </a:prstGeom>
+        </p:spPr>
+      </p:pic>
+      <p:pic>
+        <p:nvPicPr>
+          <p:cNvPr id="7" name="圖片 6"/>
+          <p:cNvPicPr>
+            <a:picLocks noChangeAspect="1"/>
+          </p:cNvPicPr>
+          <p:nvPr/>
+        </p:nvPicPr>
+        <p:blipFill>
+          <a:blip r:embed="rId3">
+            <a:extLst>
+              <a:ext uri="{28A0092B-C50C-407E-A947-70E740481C1C}">
+                <a14:useLocalDpi xmlns:a14="http://schemas.microsoft.com/office/drawing/2010/main" val="0"/>
+              </a:ext>
+            </a:extLst>
+          </a:blip>
+          <a:stretch>
+            <a:fillRect/>
+          </a:stretch>
+        </p:blipFill>
+        <p:spPr>
+          <a:xfrm>
+            <a:off x="2264727" y="2571471"/>
+            <a:ext cx="4553585" cy="4029637"/>
           </a:xfrm>
           <a:prstGeom prst="rect">
             <a:avLst/>
